--- a/INFO6028/Lectures/W01.D02/INFO6028_Graphics_1_F21_W01D01_Course_Intro.pptx
+++ b/INFO6028/Lectures/W01.D02/INFO6028_Graphics_1_F21_W01D01_Course_Intro.pptx
@@ -147,7 +147,7 @@
   </p:defaultTextStyle>
   <p:extLst>
     <p:ext uri="{EFAFB233-063F-42B5-8137-9DF3F51BA10A}">
-      <p15:sldGuideLst xmlns:p15="http://schemas.microsoft.com/office/powerpoint/2012/main" xmlns="">
+      <p15:sldGuideLst xmlns:p15="http://schemas.microsoft.com/office/powerpoint/2012/main">
         <p15:guide id="1" orient="horz" pos="1620">
           <p15:clr>
             <a:srgbClr val="A4A3A4"/>
@@ -247,7 +247,7 @@
             <a:fld id="{C796373C-ADE7-4794-A5C6-CF8090C1CBE1}" type="datetimeFigureOut">
               <a:rPr lang="en-CA" smtClean="0"/>
               <a:pPr/>
-              <a:t>2021-09-10</a:t>
+              <a:t>2021-09-14</a:t>
             </a:fld>
             <a:endParaRPr lang="en-CA"/>
           </a:p>
@@ -313,35 +313,35 @@
           <a:p>
             <a:pPr lvl="0"/>
             <a:r>
-              <a:rPr lang="en-US" smtClean="0"/>
+              <a:rPr lang="en-US"/>
               <a:t>Click to edit Master text styles</a:t>
             </a:r>
           </a:p>
           <a:p>
             <a:pPr lvl="1"/>
             <a:r>
-              <a:rPr lang="en-US" smtClean="0"/>
+              <a:rPr lang="en-US"/>
               <a:t>Second level</a:t>
             </a:r>
           </a:p>
           <a:p>
             <a:pPr lvl="2"/>
             <a:r>
-              <a:rPr lang="en-US" smtClean="0"/>
+              <a:rPr lang="en-US"/>
               <a:t>Third level</a:t>
             </a:r>
           </a:p>
           <a:p>
             <a:pPr lvl="3"/>
             <a:r>
-              <a:rPr lang="en-US" smtClean="0"/>
+              <a:rPr lang="en-US"/>
               <a:t>Fourth level</a:t>
             </a:r>
           </a:p>
           <a:p>
             <a:pPr lvl="4"/>
             <a:r>
-              <a:rPr lang="en-US" smtClean="0"/>
+              <a:rPr lang="en-US"/>
               <a:t>Fifth level</a:t>
             </a:r>
             <a:endParaRPr lang="en-CA"/>
@@ -418,7 +418,7 @@
     </p:spTree>
     <p:extLst>
       <p:ext uri="{BB962C8B-B14F-4D97-AF65-F5344CB8AC3E}">
-        <p14:creationId xmlns:p14="http://schemas.microsoft.com/office/powerpoint/2010/main" xmlns="" val="1725516394"/>
+        <p14:creationId xmlns:p14="http://schemas.microsoft.com/office/powerpoint/2010/main" val="1725516394"/>
       </p:ext>
     </p:extLst>
   </p:cSld>
@@ -556,7 +556,7 @@
           <a:lstStyle/>
           <a:p>
             <a:r>
-              <a:rPr lang="en-US" smtClean="0"/>
+              <a:rPr lang="en-US"/>
               <a:t>Click to edit Master title style</a:t>
             </a:r>
             <a:endParaRPr lang="en-CA"/>
@@ -675,7 +675,7 @@
           </a:lstStyle>
           <a:p>
             <a:r>
-              <a:rPr lang="en-US" smtClean="0"/>
+              <a:rPr lang="en-US"/>
               <a:t>Click to edit Master subtitle style</a:t>
             </a:r>
             <a:endParaRPr lang="en-CA"/>
@@ -700,7 +700,7 @@
             <a:fld id="{1D8BD707-D9CF-40AE-B4C6-C98DA3205C09}" type="datetimeFigureOut">
               <a:rPr lang="en-US" smtClean="0"/>
               <a:pPr/>
-              <a:t>9/10/2021</a:t>
+              <a:t>9/14/2021</a:t>
             </a:fld>
             <a:endParaRPr lang="en-US" dirty="0"/>
           </a:p>
@@ -790,7 +790,7 @@
           <a:lstStyle/>
           <a:p>
             <a:r>
-              <a:rPr lang="en-US" smtClean="0"/>
+              <a:rPr lang="en-US"/>
               <a:t>Click to edit Master title style</a:t>
             </a:r>
             <a:endParaRPr lang="en-CA"/>
@@ -814,35 +814,35 @@
           <a:p>
             <a:pPr lvl="0"/>
             <a:r>
-              <a:rPr lang="en-US" smtClean="0"/>
+              <a:rPr lang="en-US"/>
               <a:t>Click to edit Master text styles</a:t>
             </a:r>
           </a:p>
           <a:p>
             <a:pPr lvl="1"/>
             <a:r>
-              <a:rPr lang="en-US" smtClean="0"/>
+              <a:rPr lang="en-US"/>
               <a:t>Second level</a:t>
             </a:r>
           </a:p>
           <a:p>
             <a:pPr lvl="2"/>
             <a:r>
-              <a:rPr lang="en-US" smtClean="0"/>
+              <a:rPr lang="en-US"/>
               <a:t>Third level</a:t>
             </a:r>
           </a:p>
           <a:p>
             <a:pPr lvl="3"/>
             <a:r>
-              <a:rPr lang="en-US" smtClean="0"/>
+              <a:rPr lang="en-US"/>
               <a:t>Fourth level</a:t>
             </a:r>
           </a:p>
           <a:p>
             <a:pPr lvl="4"/>
             <a:r>
-              <a:rPr lang="en-US" smtClean="0"/>
+              <a:rPr lang="en-US"/>
               <a:t>Fifth level</a:t>
             </a:r>
             <a:endParaRPr lang="en-CA"/>
@@ -867,7 +867,7 @@
             <a:fld id="{1D8BD707-D9CF-40AE-B4C6-C98DA3205C09}" type="datetimeFigureOut">
               <a:rPr lang="en-US" smtClean="0"/>
               <a:pPr/>
-              <a:t>9/10/2021</a:t>
+              <a:t>9/14/2021</a:t>
             </a:fld>
             <a:endParaRPr lang="en-US"/>
           </a:p>
@@ -962,7 +962,7 @@
           <a:lstStyle/>
           <a:p>
             <a:r>
-              <a:rPr lang="en-US" smtClean="0"/>
+              <a:rPr lang="en-US"/>
               <a:t>Click to edit Master title style</a:t>
             </a:r>
             <a:endParaRPr lang="en-CA"/>
@@ -991,35 +991,35 @@
           <a:p>
             <a:pPr lvl="0"/>
             <a:r>
-              <a:rPr lang="en-US" smtClean="0"/>
+              <a:rPr lang="en-US"/>
               <a:t>Click to edit Master text styles</a:t>
             </a:r>
           </a:p>
           <a:p>
             <a:pPr lvl="1"/>
             <a:r>
-              <a:rPr lang="en-US" smtClean="0"/>
+              <a:rPr lang="en-US"/>
               <a:t>Second level</a:t>
             </a:r>
           </a:p>
           <a:p>
             <a:pPr lvl="2"/>
             <a:r>
-              <a:rPr lang="en-US" smtClean="0"/>
+              <a:rPr lang="en-US"/>
               <a:t>Third level</a:t>
             </a:r>
           </a:p>
           <a:p>
             <a:pPr lvl="3"/>
             <a:r>
-              <a:rPr lang="en-US" smtClean="0"/>
+              <a:rPr lang="en-US"/>
               <a:t>Fourth level</a:t>
             </a:r>
           </a:p>
           <a:p>
             <a:pPr lvl="4"/>
             <a:r>
-              <a:rPr lang="en-US" smtClean="0"/>
+              <a:rPr lang="en-US"/>
               <a:t>Fifth level</a:t>
             </a:r>
             <a:endParaRPr lang="en-CA"/>
@@ -1044,7 +1044,7 @@
             <a:fld id="{1D8BD707-D9CF-40AE-B4C6-C98DA3205C09}" type="datetimeFigureOut">
               <a:rPr lang="en-US" smtClean="0"/>
               <a:pPr/>
-              <a:t>9/10/2021</a:t>
+              <a:t>9/14/2021</a:t>
             </a:fld>
             <a:endParaRPr lang="en-US"/>
           </a:p>
@@ -1134,7 +1134,7 @@
           <a:lstStyle/>
           <a:p>
             <a:r>
-              <a:rPr lang="en-US" smtClean="0"/>
+              <a:rPr lang="en-US"/>
               <a:t>Click to edit Master title style</a:t>
             </a:r>
             <a:endParaRPr lang="en-CA"/>
@@ -1158,35 +1158,35 @@
           <a:p>
             <a:pPr lvl="0"/>
             <a:r>
-              <a:rPr lang="en-US" smtClean="0"/>
+              <a:rPr lang="en-US"/>
               <a:t>Click to edit Master text styles</a:t>
             </a:r>
           </a:p>
           <a:p>
             <a:pPr lvl="1"/>
             <a:r>
-              <a:rPr lang="en-US" smtClean="0"/>
+              <a:rPr lang="en-US"/>
               <a:t>Second level</a:t>
             </a:r>
           </a:p>
           <a:p>
             <a:pPr lvl="2"/>
             <a:r>
-              <a:rPr lang="en-US" smtClean="0"/>
+              <a:rPr lang="en-US"/>
               <a:t>Third level</a:t>
             </a:r>
           </a:p>
           <a:p>
             <a:pPr lvl="3"/>
             <a:r>
-              <a:rPr lang="en-US" smtClean="0"/>
+              <a:rPr lang="en-US"/>
               <a:t>Fourth level</a:t>
             </a:r>
           </a:p>
           <a:p>
             <a:pPr lvl="4"/>
             <a:r>
-              <a:rPr lang="en-US" smtClean="0"/>
+              <a:rPr lang="en-US"/>
               <a:t>Fifth level</a:t>
             </a:r>
             <a:endParaRPr lang="en-CA"/>
@@ -1211,7 +1211,7 @@
             <a:fld id="{1D8BD707-D9CF-40AE-B4C6-C98DA3205C09}" type="datetimeFigureOut">
               <a:rPr lang="en-US" smtClean="0"/>
               <a:pPr/>
-              <a:t>9/10/2021</a:t>
+              <a:t>9/14/2021</a:t>
             </a:fld>
             <a:endParaRPr lang="en-US"/>
           </a:p>
@@ -1310,7 +1310,7 @@
           </a:lstStyle>
           <a:p>
             <a:r>
-              <a:rPr lang="en-US" smtClean="0"/>
+              <a:rPr lang="en-US"/>
               <a:t>Click to edit Master title style</a:t>
             </a:r>
             <a:endParaRPr lang="en-CA"/>
@@ -1430,7 +1430,7 @@
           <a:p>
             <a:pPr lvl="0"/>
             <a:r>
-              <a:rPr lang="en-US" smtClean="0"/>
+              <a:rPr lang="en-US"/>
               <a:t>Click to edit Master text styles</a:t>
             </a:r>
           </a:p>
@@ -1454,7 +1454,7 @@
             <a:fld id="{1D8BD707-D9CF-40AE-B4C6-C98DA3205C09}" type="datetimeFigureOut">
               <a:rPr lang="en-US" smtClean="0"/>
               <a:pPr/>
-              <a:t>9/10/2021</a:t>
+              <a:t>9/14/2021</a:t>
             </a:fld>
             <a:endParaRPr lang="en-US"/>
           </a:p>
@@ -1544,7 +1544,7 @@
           <a:lstStyle/>
           <a:p>
             <a:r>
-              <a:rPr lang="en-US" smtClean="0"/>
+              <a:rPr lang="en-US"/>
               <a:t>Click to edit Master title style</a:t>
             </a:r>
             <a:endParaRPr lang="en-CA"/>
@@ -1601,35 +1601,35 @@
           <a:p>
             <a:pPr lvl="0"/>
             <a:r>
-              <a:rPr lang="en-US" smtClean="0"/>
+              <a:rPr lang="en-US"/>
               <a:t>Click to edit Master text styles</a:t>
             </a:r>
           </a:p>
           <a:p>
             <a:pPr lvl="1"/>
             <a:r>
-              <a:rPr lang="en-US" smtClean="0"/>
+              <a:rPr lang="en-US"/>
               <a:t>Second level</a:t>
             </a:r>
           </a:p>
           <a:p>
             <a:pPr lvl="2"/>
             <a:r>
-              <a:rPr lang="en-US" smtClean="0"/>
+              <a:rPr lang="en-US"/>
               <a:t>Third level</a:t>
             </a:r>
           </a:p>
           <a:p>
             <a:pPr lvl="3"/>
             <a:r>
-              <a:rPr lang="en-US" smtClean="0"/>
+              <a:rPr lang="en-US"/>
               <a:t>Fourth level</a:t>
             </a:r>
           </a:p>
           <a:p>
             <a:pPr lvl="4"/>
             <a:r>
-              <a:rPr lang="en-US" smtClean="0"/>
+              <a:rPr lang="en-US"/>
               <a:t>Fifth level</a:t>
             </a:r>
             <a:endParaRPr lang="en-CA"/>
@@ -1686,35 +1686,35 @@
           <a:p>
             <a:pPr lvl="0"/>
             <a:r>
-              <a:rPr lang="en-US" smtClean="0"/>
+              <a:rPr lang="en-US"/>
               <a:t>Click to edit Master text styles</a:t>
             </a:r>
           </a:p>
           <a:p>
             <a:pPr lvl="1"/>
             <a:r>
-              <a:rPr lang="en-US" smtClean="0"/>
+              <a:rPr lang="en-US"/>
               <a:t>Second level</a:t>
             </a:r>
           </a:p>
           <a:p>
             <a:pPr lvl="2"/>
             <a:r>
-              <a:rPr lang="en-US" smtClean="0"/>
+              <a:rPr lang="en-US"/>
               <a:t>Third level</a:t>
             </a:r>
           </a:p>
           <a:p>
             <a:pPr lvl="3"/>
             <a:r>
-              <a:rPr lang="en-US" smtClean="0"/>
+              <a:rPr lang="en-US"/>
               <a:t>Fourth level</a:t>
             </a:r>
           </a:p>
           <a:p>
             <a:pPr lvl="4"/>
             <a:r>
-              <a:rPr lang="en-US" smtClean="0"/>
+              <a:rPr lang="en-US"/>
               <a:t>Fifth level</a:t>
             </a:r>
             <a:endParaRPr lang="en-CA"/>
@@ -1739,7 +1739,7 @@
             <a:fld id="{1D8BD707-D9CF-40AE-B4C6-C98DA3205C09}" type="datetimeFigureOut">
               <a:rPr lang="en-US" smtClean="0"/>
               <a:pPr/>
-              <a:t>9/10/2021</a:t>
+              <a:t>9/14/2021</a:t>
             </a:fld>
             <a:endParaRPr lang="en-US"/>
           </a:p>
@@ -1838,7 +1838,7 @@
           </a:lstStyle>
           <a:p>
             <a:r>
-              <a:rPr lang="en-US" smtClean="0"/>
+              <a:rPr lang="en-US"/>
               <a:t>Click to edit Master title style</a:t>
             </a:r>
             <a:endParaRPr lang="en-CA"/>
@@ -1904,7 +1904,7 @@
           <a:p>
             <a:pPr lvl="0"/>
             <a:r>
-              <a:rPr lang="en-US" smtClean="0"/>
+              <a:rPr lang="en-US"/>
               <a:t>Click to edit Master text styles</a:t>
             </a:r>
           </a:p>
@@ -1960,35 +1960,35 @@
           <a:p>
             <a:pPr lvl="0"/>
             <a:r>
-              <a:rPr lang="en-US" smtClean="0"/>
+              <a:rPr lang="en-US"/>
               <a:t>Click to edit Master text styles</a:t>
             </a:r>
           </a:p>
           <a:p>
             <a:pPr lvl="1"/>
             <a:r>
-              <a:rPr lang="en-US" smtClean="0"/>
+              <a:rPr lang="en-US"/>
               <a:t>Second level</a:t>
             </a:r>
           </a:p>
           <a:p>
             <a:pPr lvl="2"/>
             <a:r>
-              <a:rPr lang="en-US" smtClean="0"/>
+              <a:rPr lang="en-US"/>
               <a:t>Third level</a:t>
             </a:r>
           </a:p>
           <a:p>
             <a:pPr lvl="3"/>
             <a:r>
-              <a:rPr lang="en-US" smtClean="0"/>
+              <a:rPr lang="en-US"/>
               <a:t>Fourth level</a:t>
             </a:r>
           </a:p>
           <a:p>
             <a:pPr lvl="4"/>
             <a:r>
-              <a:rPr lang="en-US" smtClean="0"/>
+              <a:rPr lang="en-US"/>
               <a:t>Fifth level</a:t>
             </a:r>
             <a:endParaRPr lang="en-CA"/>
@@ -2054,7 +2054,7 @@
           <a:p>
             <a:pPr lvl="0"/>
             <a:r>
-              <a:rPr lang="en-US" smtClean="0"/>
+              <a:rPr lang="en-US"/>
               <a:t>Click to edit Master text styles</a:t>
             </a:r>
           </a:p>
@@ -2110,35 +2110,35 @@
           <a:p>
             <a:pPr lvl="0"/>
             <a:r>
-              <a:rPr lang="en-US" smtClean="0"/>
+              <a:rPr lang="en-US"/>
               <a:t>Click to edit Master text styles</a:t>
             </a:r>
           </a:p>
           <a:p>
             <a:pPr lvl="1"/>
             <a:r>
-              <a:rPr lang="en-US" smtClean="0"/>
+              <a:rPr lang="en-US"/>
               <a:t>Second level</a:t>
             </a:r>
           </a:p>
           <a:p>
             <a:pPr lvl="2"/>
             <a:r>
-              <a:rPr lang="en-US" smtClean="0"/>
+              <a:rPr lang="en-US"/>
               <a:t>Third level</a:t>
             </a:r>
           </a:p>
           <a:p>
             <a:pPr lvl="3"/>
             <a:r>
-              <a:rPr lang="en-US" smtClean="0"/>
+              <a:rPr lang="en-US"/>
               <a:t>Fourth level</a:t>
             </a:r>
           </a:p>
           <a:p>
             <a:pPr lvl="4"/>
             <a:r>
-              <a:rPr lang="en-US" smtClean="0"/>
+              <a:rPr lang="en-US"/>
               <a:t>Fifth level</a:t>
             </a:r>
             <a:endParaRPr lang="en-CA"/>
@@ -2163,7 +2163,7 @@
             <a:fld id="{1D8BD707-D9CF-40AE-B4C6-C98DA3205C09}" type="datetimeFigureOut">
               <a:rPr lang="en-US" smtClean="0"/>
               <a:pPr/>
-              <a:t>9/10/2021</a:t>
+              <a:t>9/14/2021</a:t>
             </a:fld>
             <a:endParaRPr lang="en-US"/>
           </a:p>
@@ -2253,7 +2253,7 @@
           <a:lstStyle/>
           <a:p>
             <a:r>
-              <a:rPr lang="en-US" smtClean="0"/>
+              <a:rPr lang="en-US"/>
               <a:t>Click to edit Master title style</a:t>
             </a:r>
             <a:endParaRPr lang="en-CA"/>
@@ -2278,7 +2278,7 @@
             <a:fld id="{1D8BD707-D9CF-40AE-B4C6-C98DA3205C09}" type="datetimeFigureOut">
               <a:rPr lang="en-US" smtClean="0"/>
               <a:pPr/>
-              <a:t>9/10/2021</a:t>
+              <a:t>9/14/2021</a:t>
             </a:fld>
             <a:endParaRPr lang="en-US"/>
           </a:p>
@@ -2370,7 +2370,7 @@
             <a:fld id="{1D8BD707-D9CF-40AE-B4C6-C98DA3205C09}" type="datetimeFigureOut">
               <a:rPr lang="en-US" smtClean="0"/>
               <a:pPr/>
-              <a:t>9/10/2021</a:t>
+              <a:t>9/14/2021</a:t>
             </a:fld>
             <a:endParaRPr lang="en-US"/>
           </a:p>
@@ -2469,7 +2469,7 @@
           </a:lstStyle>
           <a:p>
             <a:r>
-              <a:rPr lang="en-US" smtClean="0"/>
+              <a:rPr lang="en-US"/>
               <a:t>Click to edit Master title style</a:t>
             </a:r>
             <a:endParaRPr lang="en-CA"/>
@@ -2526,35 +2526,35 @@
           <a:p>
             <a:pPr lvl="0"/>
             <a:r>
-              <a:rPr lang="en-US" smtClean="0"/>
+              <a:rPr lang="en-US"/>
               <a:t>Click to edit Master text styles</a:t>
             </a:r>
           </a:p>
           <a:p>
             <a:pPr lvl="1"/>
             <a:r>
-              <a:rPr lang="en-US" smtClean="0"/>
+              <a:rPr lang="en-US"/>
               <a:t>Second level</a:t>
             </a:r>
           </a:p>
           <a:p>
             <a:pPr lvl="2"/>
             <a:r>
-              <a:rPr lang="en-US" smtClean="0"/>
+              <a:rPr lang="en-US"/>
               <a:t>Third level</a:t>
             </a:r>
           </a:p>
           <a:p>
             <a:pPr lvl="3"/>
             <a:r>
-              <a:rPr lang="en-US" smtClean="0"/>
+              <a:rPr lang="en-US"/>
               <a:t>Fourth level</a:t>
             </a:r>
           </a:p>
           <a:p>
             <a:pPr lvl="4"/>
             <a:r>
-              <a:rPr lang="en-US" smtClean="0"/>
+              <a:rPr lang="en-US"/>
               <a:t>Fifth level</a:t>
             </a:r>
             <a:endParaRPr lang="en-CA"/>
@@ -2620,7 +2620,7 @@
           <a:p>
             <a:pPr lvl="0"/>
             <a:r>
-              <a:rPr lang="en-US" smtClean="0"/>
+              <a:rPr lang="en-US"/>
               <a:t>Click to edit Master text styles</a:t>
             </a:r>
           </a:p>
@@ -2644,7 +2644,7 @@
             <a:fld id="{1D8BD707-D9CF-40AE-B4C6-C98DA3205C09}" type="datetimeFigureOut">
               <a:rPr lang="en-US" smtClean="0"/>
               <a:pPr/>
-              <a:t>9/10/2021</a:t>
+              <a:t>9/14/2021</a:t>
             </a:fld>
             <a:endParaRPr lang="en-US"/>
           </a:p>
@@ -2743,7 +2743,7 @@
           </a:lstStyle>
           <a:p>
             <a:r>
-              <a:rPr lang="en-US" smtClean="0"/>
+              <a:rPr lang="en-US"/>
               <a:t>Click to edit Master title style</a:t>
             </a:r>
             <a:endParaRPr lang="en-CA"/>
@@ -2870,7 +2870,7 @@
           <a:p>
             <a:pPr lvl="0"/>
             <a:r>
-              <a:rPr lang="en-US" smtClean="0"/>
+              <a:rPr lang="en-US"/>
               <a:t>Click to edit Master text styles</a:t>
             </a:r>
           </a:p>
@@ -2894,7 +2894,7 @@
             <a:fld id="{1D8BD707-D9CF-40AE-B4C6-C98DA3205C09}" type="datetimeFigureOut">
               <a:rPr lang="en-US" smtClean="0"/>
               <a:pPr/>
-              <a:t>9/10/2021</a:t>
+              <a:t>9/14/2021</a:t>
             </a:fld>
             <a:endParaRPr lang="en-US"/>
           </a:p>
@@ -2999,7 +2999,7 @@
           <a:lstStyle/>
           <a:p>
             <a:r>
-              <a:rPr lang="en-US" smtClean="0"/>
+              <a:rPr lang="en-US"/>
               <a:t>Click to edit Master title style</a:t>
             </a:r>
             <a:endParaRPr lang="en-CA"/>
@@ -3033,35 +3033,35 @@
           <a:p>
             <a:pPr lvl="0"/>
             <a:r>
-              <a:rPr lang="en-US" smtClean="0"/>
+              <a:rPr lang="en-US"/>
               <a:t>Click to edit Master text styles</a:t>
             </a:r>
           </a:p>
           <a:p>
             <a:pPr lvl="1"/>
             <a:r>
-              <a:rPr lang="en-US" smtClean="0"/>
+              <a:rPr lang="en-US"/>
               <a:t>Second level</a:t>
             </a:r>
           </a:p>
           <a:p>
             <a:pPr lvl="2"/>
             <a:r>
-              <a:rPr lang="en-US" smtClean="0"/>
+              <a:rPr lang="en-US"/>
               <a:t>Third level</a:t>
             </a:r>
           </a:p>
           <a:p>
             <a:pPr lvl="3"/>
             <a:r>
-              <a:rPr lang="en-US" smtClean="0"/>
+              <a:rPr lang="en-US"/>
               <a:t>Fourth level</a:t>
             </a:r>
           </a:p>
           <a:p>
             <a:pPr lvl="4"/>
             <a:r>
-              <a:rPr lang="en-US" smtClean="0"/>
+              <a:rPr lang="en-US"/>
               <a:t>Fifth level</a:t>
             </a:r>
             <a:endParaRPr lang="en-CA"/>
@@ -3104,7 +3104,7 @@
             <a:fld id="{AD89B0DD-21B5-4270-A43D-5036195720CE}" type="datetimeFigureOut">
               <a:rPr lang="en-CA" smtClean="0"/>
               <a:pPr/>
-              <a:t>2021-09-10</a:t>
+              <a:t>2021-09-14</a:t>
             </a:fld>
             <a:endParaRPr lang="en-CA"/>
           </a:p>
@@ -3212,20 +3212,12 @@
           <a:lstStyle/>
           <a:p>
             <a:r>
-              <a:rPr lang="en-CA" sz="1050" dirty="0" smtClean="0"/>
+              <a:rPr lang="en-CA" sz="1050" dirty="0"/>
               <a:t>INFO6028 </a:t>
             </a:r>
             <a:r>
-              <a:rPr lang="en-CA" sz="1050" baseline="0" dirty="0" smtClean="0"/>
-              <a:t>Graphics 1 – Fall </a:t>
-            </a:r>
-            <a:r>
-              <a:rPr lang="en-CA" sz="1050" baseline="0" dirty="0" smtClean="0"/>
-              <a:t>2021– </a:t>
-            </a:r>
-            <a:r>
-              <a:rPr lang="en-CA" sz="1050" baseline="0" dirty="0" smtClean="0"/>
-              <a:t>mfeeney@fanshawec.ca</a:t>
+              <a:rPr lang="en-CA" sz="1050" baseline="0" dirty="0"/>
+              <a:t>Graphics 1 – Fall 2021– mfeeney@fanshawec.ca</a:t>
             </a:r>
             <a:endParaRPr lang="en-CA" sz="1050" dirty="0"/>
           </a:p>
@@ -3541,10 +3533,10 @@
               <a:defRPr/>
             </a:pPr>
             <a:r>
-              <a:rPr lang="en-CA" sz="6600" dirty="0" smtClean="0"/>
+              <a:rPr lang="en-CA" sz="6600" dirty="0"/>
               <a:t>INFO6028:Graphics 1</a:t>
             </a:r>
-            <a:endParaRPr lang="en-US" sz="6600" dirty="0" smtClean="0"/>
+            <a:endParaRPr lang="en-US" sz="6600" dirty="0"/>
           </a:p>
         </p:txBody>
       </p:sp>
@@ -3576,11 +3568,11 @@
               <a:defRPr/>
             </a:pPr>
             <a:r>
-              <a:rPr lang="en-US" dirty="0" smtClean="0"/>
+              <a:rPr lang="en-US" dirty="0"/>
               <a:t> </a:t>
             </a:r>
             <a:r>
-              <a:rPr lang="en-US" sz="4400" dirty="0" smtClean="0"/>
+              <a:rPr lang="en-US" sz="4400" dirty="0"/>
               <a:t>Welcome</a:t>
             </a:r>
           </a:p>
@@ -3591,7 +3583,7 @@
               <a:defRPr/>
             </a:pPr>
             <a:r>
-              <a:rPr lang="en-US" sz="4400" dirty="0" smtClean="0"/>
+              <a:rPr lang="en-US" sz="4400" dirty="0"/>
               <a:t> What’s expected</a:t>
             </a:r>
           </a:p>
@@ -3602,7 +3594,7 @@
               <a:defRPr/>
             </a:pPr>
             <a:r>
-              <a:rPr lang="en-US" sz="4400" dirty="0" smtClean="0"/>
+              <a:rPr lang="en-US" sz="4400" dirty="0"/>
               <a:t> C++ &amp; Win32 Ramp up</a:t>
             </a:r>
           </a:p>
@@ -3610,7 +3602,7 @@
             <a:pPr eaLnBrk="1" hangingPunct="1">
               <a:defRPr/>
             </a:pPr>
-            <a:endParaRPr lang="en-US" dirty="0" smtClean="0"/>
+            <a:endParaRPr lang="en-US" dirty="0"/>
           </a:p>
         </p:txBody>
       </p:sp>
@@ -3620,13 +3612,6 @@
     <a:masterClrMapping/>
   </p:clrMapOvr>
   <p:transition/>
-  <p:timing>
-    <p:tnLst>
-      <p:par>
-        <p:cTn id="1" dur="indefinite" restart="never" nodeType="tmRoot"/>
-      </p:par>
-    </p:tnLst>
-  </p:timing>
 </p:sld>
 </file>
 
@@ -3673,10 +3658,9 @@
               <a:defRPr/>
             </a:pPr>
             <a:r>
-              <a:rPr lang="en-CA" dirty="0" smtClean="0"/>
+              <a:rPr lang="en-CA" dirty="0"/>
               <a:t>Summary:</a:t>
             </a:r>
-            <a:endParaRPr lang="en-CA" dirty="0"/>
           </a:p>
         </p:txBody>
       </p:sp>
@@ -3712,10 +3696,9 @@
               <a:defRPr/>
             </a:pPr>
             <a:r>
-              <a:rPr lang="en-CA" sz="3200" dirty="0" smtClean="0"/>
+              <a:rPr lang="en-CA" sz="3200" dirty="0"/>
               <a:t>Projects: 60%</a:t>
             </a:r>
-            <a:endParaRPr lang="en-CA" sz="3200" dirty="0"/>
           </a:p>
           <a:p>
             <a:pPr marL="274320" lvl="1">
@@ -3728,7 +3711,7 @@
               <a:defRPr/>
             </a:pPr>
             <a:r>
-              <a:rPr lang="en-CA" sz="3200" dirty="0" smtClean="0"/>
+              <a:rPr lang="en-CA" sz="3200" dirty="0"/>
               <a:t>Exams: 40%</a:t>
             </a:r>
           </a:p>
@@ -3743,15 +3726,15 @@
               <a:defRPr/>
             </a:pPr>
             <a:r>
-              <a:rPr lang="en-CA" sz="2800" dirty="0" smtClean="0"/>
+              <a:rPr lang="en-CA" sz="2800" dirty="0"/>
               <a:t>You must pass the exam portion to pass the course; you can </a:t>
             </a:r>
             <a:r>
-              <a:rPr lang="en-CA" sz="2800" b="1" u="sng" dirty="0" smtClean="0"/>
+              <a:rPr lang="en-CA" sz="2800" b="1" u="sng" dirty="0"/>
               <a:t>not</a:t>
             </a:r>
             <a:r>
-              <a:rPr lang="en-CA" sz="2800" dirty="0" smtClean="0"/>
+              <a:rPr lang="en-CA" sz="2800" dirty="0"/>
               <a:t> pass with only the project portion. </a:t>
             </a:r>
           </a:p>
@@ -3797,7 +3780,7 @@
     </p:spTree>
     <p:extLst>
       <p:ext uri="{BB962C8B-B14F-4D97-AF65-F5344CB8AC3E}">
-        <p14:creationId xmlns:p14="http://schemas.microsoft.com/office/powerpoint/2010/main" xmlns="" val="3962189149"/>
+        <p14:creationId xmlns:p14="http://schemas.microsoft.com/office/powerpoint/2010/main" val="3962189149"/>
       </p:ext>
     </p:extLst>
   </p:cSld>
@@ -4095,18 +4078,17 @@
               <a:defRPr/>
             </a:pPr>
             <a:r>
-              <a:rPr lang="en-CA" dirty="0" smtClean="0"/>
+              <a:rPr lang="en-CA" dirty="0"/>
               <a:t>Warnings and other stuff (1 </a:t>
             </a:r>
             <a:r>
-              <a:rPr lang="en-CA" sz="2400" dirty="0" smtClean="0"/>
+              <a:rPr lang="en-CA" sz="2400" dirty="0"/>
               <a:t>of</a:t>
             </a:r>
             <a:r>
-              <a:rPr lang="en-CA" dirty="0" smtClean="0"/>
+              <a:rPr lang="en-CA" dirty="0"/>
               <a:t> 5):</a:t>
             </a:r>
-            <a:endParaRPr lang="en-CA" dirty="0"/>
           </a:p>
         </p:txBody>
       </p:sp>
@@ -4142,7 +4124,7 @@
               <a:defRPr/>
             </a:pPr>
             <a:r>
-              <a:rPr lang="en-CA" sz="2000" dirty="0" smtClean="0">
+              <a:rPr lang="en-CA" sz="2000" dirty="0">
                 <a:solidFill>
                   <a:schemeClr val="tx1"/>
                 </a:solidFill>
@@ -4161,7 +4143,7 @@
               <a:defRPr/>
             </a:pPr>
             <a:r>
-              <a:rPr lang="en-CA" sz="2000" dirty="0" smtClean="0">
+              <a:rPr lang="en-CA" sz="2000" dirty="0">
                 <a:solidFill>
                   <a:schemeClr val="tx1"/>
                 </a:solidFill>
@@ -4169,11 +4151,11 @@
               <a:t>OpenGL</a:t>
             </a:r>
             <a:r>
-              <a:rPr lang="en-CA" sz="2000" dirty="0" smtClean="0"/>
+              <a:rPr lang="en-CA" sz="2000" dirty="0"/>
               <a:t> (and DirectX)</a:t>
             </a:r>
             <a:r>
-              <a:rPr lang="en-CA" sz="2000" dirty="0" smtClean="0">
+              <a:rPr lang="en-CA" sz="2000" dirty="0">
                 <a:solidFill>
                   <a:schemeClr val="tx1"/>
                 </a:solidFill>
@@ -4192,7 +4174,7 @@
               <a:defRPr/>
             </a:pPr>
             <a:r>
-              <a:rPr lang="en-CA" sz="2000" dirty="0" smtClean="0"/>
+              <a:rPr lang="en-CA" sz="2000" dirty="0"/>
               <a:t>Steep learning curve, not intended for beginners</a:t>
             </a:r>
           </a:p>
@@ -4207,7 +4189,7 @@
               <a:defRPr/>
             </a:pPr>
             <a:r>
-              <a:rPr lang="en-CA" sz="2000" dirty="0" smtClean="0">
+              <a:rPr lang="en-CA" sz="2000" dirty="0">
                 <a:solidFill>
                   <a:schemeClr val="tx1"/>
                 </a:solidFill>
@@ -4215,7 +4197,7 @@
               <a:t>Meant to get the most out of the video card, </a:t>
             </a:r>
             <a:r>
-              <a:rPr lang="en-CA" sz="2000" i="1" dirty="0" smtClean="0">
+              <a:rPr lang="en-CA" sz="2000" i="1" dirty="0">
                 <a:solidFill>
                   <a:schemeClr val="tx1"/>
                 </a:solidFill>
@@ -4223,7 +4205,7 @@
               <a:t>not</a:t>
             </a:r>
             <a:r>
-              <a:rPr lang="en-CA" sz="2000" dirty="0" smtClean="0">
+              <a:rPr lang="en-CA" sz="2000" dirty="0">
                 <a:solidFill>
                   <a:schemeClr val="tx1"/>
                 </a:solidFill>
@@ -4231,10 +4213,10 @@
               <a:t> to get something on the screen </a:t>
             </a:r>
             <a:r>
-              <a:rPr lang="en-CA" sz="2000" dirty="0" smtClean="0"/>
+              <a:rPr lang="en-CA" sz="2000" dirty="0"/>
               <a:t>with five minutes of coding</a:t>
             </a:r>
-            <a:endParaRPr lang="en-CA" sz="2000" dirty="0" smtClean="0">
+            <a:endParaRPr lang="en-CA" sz="2000" dirty="0">
               <a:solidFill>
                 <a:schemeClr val="tx1"/>
               </a:solidFill>
@@ -4251,7 +4233,7 @@
               <a:defRPr/>
             </a:pPr>
             <a:r>
-              <a:rPr lang="en-CA" sz="2000" dirty="0" smtClean="0">
+              <a:rPr lang="en-CA" sz="2000" dirty="0">
                 <a:solidFill>
                   <a:schemeClr val="tx1"/>
                 </a:solidFill>
@@ -4270,7 +4252,7 @@
               <a:defRPr/>
             </a:pPr>
             <a:r>
-              <a:rPr lang="en-CA" sz="2000" dirty="0" smtClean="0">
+              <a:rPr lang="en-CA" sz="2000" dirty="0">
                 <a:solidFill>
                   <a:schemeClr val="tx1"/>
                 </a:solidFill>
@@ -4289,10 +4271,10 @@
               <a:defRPr/>
             </a:pPr>
             <a:r>
-              <a:rPr lang="en-CA" sz="2000" dirty="0" smtClean="0"/>
+              <a:rPr lang="en-CA" sz="2000" dirty="0"/>
               <a:t>Think of them as “C++ without the pain”</a:t>
             </a:r>
-            <a:endParaRPr lang="en-CA" sz="2000" dirty="0" smtClean="0">
+            <a:endParaRPr lang="en-CA" sz="2000" dirty="0">
               <a:solidFill>
                 <a:schemeClr val="tx1"/>
               </a:solidFill>
@@ -4309,7 +4291,7 @@
               <a:defRPr/>
             </a:pPr>
             <a:r>
-              <a:rPr lang="en-CA" sz="2000" dirty="0" smtClean="0">
+              <a:rPr lang="en-CA" sz="2000" dirty="0">
                 <a:solidFill>
                   <a:schemeClr val="tx1"/>
                 </a:solidFill>
@@ -4317,7 +4299,7 @@
               <a:t>C++ is absolutely </a:t>
             </a:r>
             <a:r>
-              <a:rPr lang="en-CA" sz="2000" i="1" u="sng" dirty="0" smtClean="0">
+              <a:rPr lang="en-CA" sz="2000" i="1" u="sng" dirty="0">
                 <a:solidFill>
                   <a:schemeClr val="tx1"/>
                 </a:solidFill>
@@ -4325,7 +4307,7 @@
               <a:t>not</a:t>
             </a:r>
             <a:r>
-              <a:rPr lang="en-CA" sz="2000" i="1" dirty="0" smtClean="0">
+              <a:rPr lang="en-CA" sz="2000" i="1" dirty="0">
                 <a:solidFill>
                   <a:schemeClr val="tx1"/>
                 </a:solidFill>
@@ -4333,7 +4315,7 @@
               <a:t> </a:t>
             </a:r>
             <a:r>
-              <a:rPr lang="en-CA" sz="2000" dirty="0" smtClean="0">
+              <a:rPr lang="en-CA" sz="2000" dirty="0">
                 <a:solidFill>
                   <a:schemeClr val="tx1"/>
                 </a:solidFill>
@@ -4351,7 +4333,7 @@
               </a:buClr>
               <a:defRPr/>
             </a:pPr>
-            <a:endParaRPr lang="en-CA" sz="1800" dirty="0" smtClean="0"/>
+            <a:endParaRPr lang="en-CA" sz="1800" dirty="0"/>
           </a:p>
         </p:txBody>
       </p:sp>
@@ -5011,18 +4993,17 @@
               <a:defRPr/>
             </a:pPr>
             <a:r>
-              <a:rPr lang="en-CA" dirty="0" smtClean="0"/>
+              <a:rPr lang="en-CA" dirty="0"/>
               <a:t>Warnings and other stuff (2 </a:t>
             </a:r>
             <a:r>
-              <a:rPr lang="en-CA" sz="2400" dirty="0" smtClean="0"/>
+              <a:rPr lang="en-CA" sz="2400" dirty="0"/>
               <a:t>of</a:t>
             </a:r>
             <a:r>
-              <a:rPr lang="en-CA" dirty="0" smtClean="0"/>
+              <a:rPr lang="en-CA" dirty="0"/>
               <a:t> 5):</a:t>
             </a:r>
-            <a:endParaRPr lang="en-CA" dirty="0"/>
           </a:p>
         </p:txBody>
       </p:sp>
@@ -5058,7 +5039,7 @@
               <a:defRPr/>
             </a:pPr>
             <a:r>
-              <a:rPr lang="en-CA" sz="2000" dirty="0" smtClean="0">
+              <a:rPr lang="en-CA" sz="2000" dirty="0">
                 <a:solidFill>
                   <a:schemeClr val="tx1"/>
                 </a:solidFill>
@@ -5077,7 +5058,7 @@
               <a:defRPr/>
             </a:pPr>
             <a:r>
-              <a:rPr lang="en-CA" sz="2000" dirty="0" smtClean="0"/>
+              <a:rPr lang="en-CA" sz="2000" dirty="0"/>
               <a:t>C is a “high level assembly language”</a:t>
             </a:r>
           </a:p>
@@ -5092,7 +5073,7 @@
               <a:defRPr/>
             </a:pPr>
             <a:r>
-              <a:rPr lang="en-CA" sz="2000" dirty="0" smtClean="0">
+              <a:rPr lang="en-CA" sz="2000" dirty="0">
                 <a:solidFill>
                   <a:schemeClr val="tx1"/>
                 </a:solidFill>
@@ -5111,15 +5092,15 @@
               <a:defRPr/>
             </a:pPr>
             <a:r>
-              <a:rPr lang="en-CA" sz="1800" dirty="0" smtClean="0"/>
+              <a:rPr lang="en-CA" sz="1800" dirty="0"/>
               <a:t>It’s “machine code” (the </a:t>
             </a:r>
             <a:r>
-              <a:rPr lang="en-CA" sz="1800" i="1" dirty="0" smtClean="0"/>
+              <a:rPr lang="en-CA" sz="1800" i="1" dirty="0"/>
               <a:t>actual</a:t>
             </a:r>
             <a:r>
-              <a:rPr lang="en-CA" sz="1800" dirty="0" smtClean="0"/>
+              <a:rPr lang="en-CA" sz="1800" dirty="0"/>
               <a:t> instructions the computer executes) but in human readable words instead of numbers</a:t>
             </a:r>
           </a:p>
@@ -5134,7 +5115,7 @@
               <a:defRPr/>
             </a:pPr>
             <a:r>
-              <a:rPr lang="en-CA" sz="2000" dirty="0" smtClean="0">
+              <a:rPr lang="en-CA" sz="2000" dirty="0">
                 <a:solidFill>
                   <a:schemeClr val="tx1"/>
                 </a:solidFill>
@@ -5142,7 +5123,7 @@
               <a:t>C++ i</a:t>
             </a:r>
             <a:r>
-              <a:rPr lang="en-CA" sz="2000" dirty="0" smtClean="0"/>
+              <a:rPr lang="en-CA" sz="2000" dirty="0"/>
               <a:t>s “C with objects” (aka “classes”)</a:t>
             </a:r>
           </a:p>
@@ -5157,7 +5138,7 @@
               <a:defRPr/>
             </a:pPr>
             <a:r>
-              <a:rPr lang="en-CA" sz="2000" dirty="0" smtClean="0"/>
+              <a:rPr lang="en-CA" sz="2000" dirty="0"/>
               <a:t>So it’s meant to be “close to the metal” as they say</a:t>
             </a:r>
           </a:p>
@@ -5172,14 +5153,14 @@
               <a:defRPr/>
             </a:pPr>
             <a:r>
-              <a:rPr lang="en-CA" sz="2000" dirty="0" smtClean="0">
+              <a:rPr lang="en-CA" sz="2000" dirty="0">
                 <a:solidFill>
                   <a:schemeClr val="tx1"/>
                 </a:solidFill>
               </a:rPr>
               <a:t>Strongly typed, no garbage collection</a:t>
             </a:r>
-            <a:endParaRPr lang="en-CA" sz="1800" dirty="0" smtClean="0"/>
+            <a:endParaRPr lang="en-CA" sz="1800" dirty="0"/>
           </a:p>
           <a:p>
             <a:pPr marL="640080" lvl="2">
@@ -5192,7 +5173,7 @@
               <a:defRPr/>
             </a:pPr>
             <a:r>
-              <a:rPr lang="en-CA" sz="2000" dirty="0" smtClean="0"/>
+              <a:rPr lang="en-CA" sz="2000" dirty="0"/>
               <a:t>Is the dominant game programming language</a:t>
             </a:r>
           </a:p>
@@ -5272,10 +5253,9 @@
           <a:p>
             <a:pPr algn="ctr"/>
             <a:r>
-              <a:rPr lang="en-CA" dirty="0" smtClean="0"/>
+              <a:rPr lang="en-CA" dirty="0"/>
               <a:t>We’ll see in a moment...</a:t>
             </a:r>
-            <a:endParaRPr lang="en-CA" dirty="0"/>
           </a:p>
         </p:txBody>
       </p:sp>
@@ -5898,18 +5878,17 @@
               <a:defRPr/>
             </a:pPr>
             <a:r>
-              <a:rPr lang="en-CA" dirty="0" smtClean="0"/>
+              <a:rPr lang="en-CA" dirty="0"/>
               <a:t>Warnings and other stuff (3 </a:t>
             </a:r>
             <a:r>
-              <a:rPr lang="en-CA" sz="2400" dirty="0" smtClean="0"/>
+              <a:rPr lang="en-CA" sz="2400" dirty="0"/>
               <a:t>of</a:t>
             </a:r>
             <a:r>
-              <a:rPr lang="en-CA" dirty="0" smtClean="0"/>
+              <a:rPr lang="en-CA" dirty="0"/>
               <a:t> 5):</a:t>
             </a:r>
-            <a:endParaRPr lang="en-CA" dirty="0"/>
           </a:p>
         </p:txBody>
       </p:sp>
@@ -5945,38 +5924,22 @@
               <a:buNone/>
               <a:defRPr/>
             </a:pPr>
-            <a:r>
-              <a:rPr lang="en-CA" sz="2800" dirty="0" smtClean="0">
-                <a:solidFill>
-                  <a:schemeClr val="tx1"/>
-                </a:solidFill>
-              </a:rPr>
-              <a:t/>
-            </a:r>
             <a:br>
-              <a:rPr lang="en-CA" sz="2800" dirty="0" smtClean="0">
+              <a:rPr lang="en-CA" sz="2800" dirty="0">
                 <a:solidFill>
                   <a:schemeClr val="tx1"/>
                 </a:solidFill>
               </a:rPr>
             </a:br>
-            <a:r>
-              <a:rPr lang="en-CA" sz="2800" dirty="0" smtClean="0">
-                <a:solidFill>
-                  <a:schemeClr val="tx1"/>
-                </a:solidFill>
-              </a:rPr>
-              <a:t/>
-            </a:r>
             <a:br>
-              <a:rPr lang="en-CA" sz="2800" dirty="0" smtClean="0">
+              <a:rPr lang="en-CA" sz="2800" dirty="0">
                 <a:solidFill>
                   <a:schemeClr val="tx1"/>
                 </a:solidFill>
               </a:rPr>
             </a:br>
             <a:r>
-              <a:rPr lang="en-CA" sz="2800" dirty="0" smtClean="0">
+              <a:rPr lang="en-CA" sz="2800" dirty="0">
                 <a:solidFill>
                   <a:schemeClr val="tx1"/>
                 </a:solidFill>
@@ -5984,14 +5947,14 @@
               <a:t>“C allows you to shoot yourself in the foot. </a:t>
             </a:r>
             <a:br>
-              <a:rPr lang="en-CA" sz="2800" dirty="0" smtClean="0">
+              <a:rPr lang="en-CA" sz="2800" dirty="0">
                 <a:solidFill>
                   <a:schemeClr val="tx1"/>
                 </a:solidFill>
               </a:rPr>
             </a:br>
             <a:r>
-              <a:rPr lang="en-CA" sz="2800" dirty="0" smtClean="0">
+              <a:rPr lang="en-CA" sz="2800" dirty="0">
                 <a:solidFill>
                   <a:schemeClr val="tx1"/>
                 </a:solidFill>
@@ -5999,13 +5962,13 @@
               <a:t>C++ allows you to blow your whole leg off.”</a:t>
             </a:r>
             <a:br>
-              <a:rPr lang="en-CA" sz="2800" dirty="0" smtClean="0">
+              <a:rPr lang="en-CA" sz="2800" dirty="0">
                 <a:solidFill>
                   <a:schemeClr val="tx1"/>
                 </a:solidFill>
               </a:rPr>
             </a:br>
-            <a:endParaRPr lang="en-CA" sz="2800" dirty="0" smtClean="0">
+            <a:endParaRPr lang="en-CA" sz="2800" dirty="0">
               <a:solidFill>
                 <a:schemeClr val="tx1"/>
               </a:solidFill>
@@ -6022,22 +5985,22 @@
               <a:defRPr/>
             </a:pPr>
             <a:r>
-              <a:rPr lang="en-CA" sz="2500" dirty="0" smtClean="0"/>
+              <a:rPr lang="en-CA" sz="2500" dirty="0"/>
               <a:t>Attributed to </a:t>
             </a:r>
             <a:r>
-              <a:rPr lang="en-CA" sz="2500" dirty="0" err="1" smtClean="0"/>
+              <a:rPr lang="en-CA" sz="2500" dirty="0" err="1"/>
               <a:t>Bjarne</a:t>
             </a:r>
             <a:r>
-              <a:rPr lang="en-CA" sz="2500" dirty="0" smtClean="0"/>
+              <a:rPr lang="en-CA" sz="2500" dirty="0"/>
               <a:t> </a:t>
             </a:r>
             <a:r>
-              <a:rPr lang="en-CA" sz="2500" dirty="0" err="1" smtClean="0"/>
+              <a:rPr lang="en-CA" sz="2500" dirty="0" err="1"/>
               <a:t>Stroustrup</a:t>
             </a:r>
-            <a:endParaRPr lang="en-CA" sz="2500" dirty="0" smtClean="0">
+            <a:endParaRPr lang="en-CA" sz="2500" dirty="0">
               <a:solidFill>
                 <a:schemeClr val="tx1"/>
               </a:solidFill>
@@ -6053,7 +6016,7 @@
               </a:buClr>
               <a:defRPr/>
             </a:pPr>
-            <a:endParaRPr lang="en-CA" sz="2000" dirty="0" smtClean="0"/>
+            <a:endParaRPr lang="en-CA" sz="2000" dirty="0"/>
           </a:p>
         </p:txBody>
       </p:sp>
@@ -6347,18 +6310,17 @@
               <a:defRPr/>
             </a:pPr>
             <a:r>
-              <a:rPr lang="en-CA" dirty="0" smtClean="0"/>
+              <a:rPr lang="en-CA" dirty="0"/>
               <a:t>Warnings and other stuff (4 </a:t>
             </a:r>
             <a:r>
-              <a:rPr lang="en-CA" sz="2400" dirty="0" smtClean="0"/>
+              <a:rPr lang="en-CA" sz="2400" dirty="0"/>
               <a:t>of</a:t>
             </a:r>
             <a:r>
-              <a:rPr lang="en-CA" dirty="0" smtClean="0"/>
+              <a:rPr lang="en-CA" dirty="0"/>
               <a:t> 5):</a:t>
             </a:r>
-            <a:endParaRPr lang="en-CA" dirty="0"/>
           </a:p>
         </p:txBody>
       </p:sp>
@@ -6394,7 +6356,7 @@
               <a:defRPr/>
             </a:pPr>
             <a:r>
-              <a:rPr lang="en-CA" dirty="0" smtClean="0">
+              <a:rPr lang="en-CA" dirty="0">
                 <a:solidFill>
                   <a:schemeClr val="tx1"/>
                 </a:solidFill>
@@ -6413,7 +6375,7 @@
               <a:defRPr/>
             </a:pPr>
             <a:r>
-              <a:rPr lang="en-CA" sz="2000" dirty="0" smtClean="0"/>
+              <a:rPr lang="en-CA" sz="2000" dirty="0"/>
               <a:t>C/C++/DirectX is so hard. </a:t>
             </a:r>
           </a:p>
@@ -6428,7 +6390,7 @@
               <a:defRPr/>
             </a:pPr>
             <a:r>
-              <a:rPr lang="en-CA" sz="2000" dirty="0" smtClean="0">
+              <a:rPr lang="en-CA" sz="2000" dirty="0">
                 <a:solidFill>
                   <a:schemeClr val="tx1"/>
                 </a:solidFill>
@@ -6436,7 +6398,7 @@
               <a:t>Win32/GLFW/GLUT/Whatever is </a:t>
             </a:r>
             <a:r>
-              <a:rPr lang="en-CA" sz="2000" i="1" u="sng" dirty="0" smtClean="0">
+              <a:rPr lang="en-CA" sz="2000" i="1" u="sng" dirty="0">
                 <a:solidFill>
                   <a:schemeClr val="tx1"/>
                 </a:solidFill>
@@ -6444,7 +6406,7 @@
               <a:t>so</a:t>
             </a:r>
             <a:r>
-              <a:rPr lang="en-CA" sz="2000" dirty="0" smtClean="0">
+              <a:rPr lang="en-CA" sz="2000" dirty="0">
                 <a:solidFill>
                   <a:schemeClr val="tx1"/>
                 </a:solidFill>
@@ -6463,7 +6425,7 @@
               <a:defRPr/>
             </a:pPr>
             <a:r>
-              <a:rPr lang="en-CA" sz="2000" dirty="0" smtClean="0"/>
+              <a:rPr lang="en-CA" sz="2000" dirty="0"/>
               <a:t>The documentation sucks.</a:t>
             </a:r>
           </a:p>
@@ -6478,7 +6440,7 @@
               <a:defRPr/>
             </a:pPr>
             <a:r>
-              <a:rPr lang="en-CA" sz="2000" dirty="0" smtClean="0">
+              <a:rPr lang="en-CA" sz="2000" dirty="0">
                 <a:solidFill>
                   <a:schemeClr val="tx1"/>
                 </a:solidFill>
@@ -6497,7 +6459,7 @@
               <a:defRPr/>
             </a:pPr>
             <a:r>
-              <a:rPr lang="en-CA" sz="2000" dirty="0" smtClean="0"/>
+              <a:rPr lang="en-CA" sz="2000" dirty="0"/>
               <a:t>Game X was written in language Y, so why are you using C/C++?</a:t>
             </a:r>
           </a:p>
@@ -6512,7 +6474,7 @@
               <a:defRPr/>
             </a:pPr>
             <a:r>
-              <a:rPr lang="en-CA" sz="2000" dirty="0" smtClean="0">
+              <a:rPr lang="en-CA" sz="2000" dirty="0">
                 <a:solidFill>
                   <a:schemeClr val="tx1"/>
                 </a:solidFill>
@@ -6520,7 +6482,7 @@
               <a:t>Why aren’t you doing everything in “mobile” (aka </a:t>
             </a:r>
             <a:r>
-              <a:rPr lang="en-CA" sz="2000" dirty="0" err="1" smtClean="0">
+              <a:rPr lang="en-CA" sz="2000" dirty="0" err="1">
                 <a:solidFill>
                   <a:schemeClr val="tx1"/>
                 </a:solidFill>
@@ -6528,7 +6490,7 @@
               <a:t>iOS</a:t>
             </a:r>
             <a:r>
-              <a:rPr lang="en-CA" sz="2000" dirty="0" smtClean="0">
+              <a:rPr lang="en-CA" sz="2000" dirty="0">
                 <a:solidFill>
                   <a:schemeClr val="tx1"/>
                 </a:solidFill>
@@ -7133,18 +7095,17 @@
               <a:defRPr/>
             </a:pPr>
             <a:r>
-              <a:rPr lang="en-CA" dirty="0" smtClean="0"/>
+              <a:rPr lang="en-CA" dirty="0"/>
               <a:t>Warnings and other stuff (5 </a:t>
             </a:r>
             <a:r>
-              <a:rPr lang="en-CA" sz="2400" dirty="0" smtClean="0"/>
+              <a:rPr lang="en-CA" sz="2400" dirty="0"/>
               <a:t>of</a:t>
             </a:r>
             <a:r>
-              <a:rPr lang="en-CA" dirty="0" smtClean="0"/>
+              <a:rPr lang="en-CA" dirty="0"/>
               <a:t> 5):</a:t>
             </a:r>
-            <a:endParaRPr lang="en-CA" dirty="0"/>
           </a:p>
         </p:txBody>
       </p:sp>
@@ -7180,7 +7141,7 @@
               <a:defRPr/>
             </a:pPr>
             <a:r>
-              <a:rPr lang="en-CA" sz="2000" dirty="0" smtClean="0">
+              <a:rPr lang="en-CA" sz="2000" dirty="0">
                 <a:solidFill>
                   <a:schemeClr val="tx1"/>
                 </a:solidFill>
@@ -7199,15 +7160,15 @@
               <a:defRPr/>
             </a:pPr>
             <a:r>
-              <a:rPr lang="en-CA" sz="1800" dirty="0" smtClean="0"/>
+              <a:rPr lang="en-CA" sz="1800" dirty="0"/>
               <a:t>I did OpenGL and it was </a:t>
             </a:r>
             <a:r>
-              <a:rPr lang="en-CA" sz="1800" u="sng" dirty="0" smtClean="0"/>
+              <a:rPr lang="en-CA" sz="1800" u="sng" dirty="0"/>
               <a:t>way</a:t>
             </a:r>
             <a:r>
-              <a:rPr lang="en-CA" sz="1800" dirty="0" smtClean="0"/>
+              <a:rPr lang="en-CA" sz="1800" dirty="0"/>
               <a:t> easier</a:t>
             </a:r>
           </a:p>
@@ -7222,7 +7183,7 @@
               <a:defRPr/>
             </a:pPr>
             <a:r>
-              <a:rPr lang="en-CA" sz="1600" dirty="0" smtClean="0">
+              <a:rPr lang="en-CA" sz="1600" dirty="0">
                 <a:solidFill>
                   <a:schemeClr val="tx1"/>
                 </a:solidFill>
@@ -7230,7 +7191,7 @@
               <a:t>No, you did </a:t>
             </a:r>
             <a:r>
-              <a:rPr lang="en-CA" sz="1600" u="sng" dirty="0" smtClean="0">
+              <a:rPr lang="en-CA" sz="1600" u="sng" dirty="0">
                 <a:solidFill>
                   <a:schemeClr val="tx1"/>
                 </a:solidFill>
@@ -7238,7 +7199,7 @@
               <a:t>ancient</a:t>
             </a:r>
             <a:r>
-              <a:rPr lang="en-CA" sz="1600" dirty="0" smtClean="0">
+              <a:rPr lang="en-CA" sz="1600" dirty="0">
                 <a:solidFill>
                   <a:schemeClr val="tx1"/>
                 </a:solidFill>
@@ -7246,11 +7207,11 @@
               <a:t> OpenGL (like 1.1 or something), because OpenGL, particularly OpenGL ES 2.0 (mobile) is pretty much the same as </a:t>
             </a:r>
             <a:r>
-              <a:rPr lang="en-CA" sz="1600" dirty="0" smtClean="0"/>
+              <a:rPr lang="en-CA" sz="1600" dirty="0"/>
               <a:t>OpenGL 3.x+/</a:t>
             </a:r>
             <a:r>
-              <a:rPr lang="en-CA" sz="1600" dirty="0" smtClean="0">
+              <a:rPr lang="en-CA" sz="1600" dirty="0">
                 <a:solidFill>
                   <a:schemeClr val="tx1"/>
                 </a:solidFill>
@@ -7269,7 +7230,7 @@
               <a:defRPr/>
             </a:pPr>
             <a:r>
-              <a:rPr lang="en-CA" sz="1800" dirty="0" smtClean="0"/>
+              <a:rPr lang="en-CA" sz="1800" dirty="0"/>
               <a:t>Why aren’t we doing all HTML 5?</a:t>
             </a:r>
           </a:p>
@@ -7284,11 +7245,11 @@
               <a:defRPr/>
             </a:pPr>
             <a:r>
-              <a:rPr lang="en-CA" sz="1600" dirty="0" smtClean="0"/>
+              <a:rPr lang="en-CA" sz="1600" dirty="0"/>
               <a:t>3D graphic in HTML 5 have another name: OpenGL ES 2.0</a:t>
             </a:r>
             <a:r>
-              <a:rPr lang="en-CA" sz="1600" dirty="0" smtClean="0">
+              <a:rPr lang="en-CA" sz="1600" dirty="0">
                 <a:solidFill>
                   <a:schemeClr val="tx1"/>
                 </a:solidFill>
@@ -7307,10 +7268,10 @@
               <a:defRPr/>
             </a:pPr>
             <a:r>
-              <a:rPr lang="en-CA" sz="1400" dirty="0" smtClean="0"/>
+              <a:rPr lang="en-CA" sz="1400" dirty="0"/>
               <a:t>(Which is like OpenGL, remember?)</a:t>
             </a:r>
-            <a:endParaRPr lang="en-CA" sz="1400" dirty="0" smtClean="0">
+            <a:endParaRPr lang="en-CA" sz="1400" dirty="0">
               <a:solidFill>
                 <a:schemeClr val="tx1"/>
               </a:solidFill>
@@ -7327,7 +7288,7 @@
               <a:defRPr/>
             </a:pPr>
             <a:r>
-              <a:rPr lang="en-CA" sz="1800" dirty="0" smtClean="0"/>
+              <a:rPr lang="en-CA" sz="1800" dirty="0"/>
               <a:t>Why aren’t we doing it all in Flash/Silverlight/Whatever?</a:t>
             </a:r>
           </a:p>
@@ -7342,33 +7303,33 @@
               <a:defRPr/>
             </a:pPr>
             <a:r>
-              <a:rPr lang="en-CA" sz="1600" dirty="0" smtClean="0"/>
+              <a:rPr lang="en-CA" sz="1600" dirty="0"/>
               <a:t>Because going from OpenGL </a:t>
             </a:r>
             <a:r>
-              <a:rPr lang="en-CA" sz="1600" dirty="0" smtClean="0">
+              <a:rPr lang="en-CA" sz="1600" dirty="0">
                 <a:sym typeface="Wingdings" pitchFamily="2" charset="2"/>
               </a:rPr>
               <a:t></a:t>
             </a:r>
             <a:r>
-              <a:rPr lang="en-CA" sz="1600" dirty="0" smtClean="0"/>
+              <a:rPr lang="en-CA" sz="1600" dirty="0"/>
               <a:t> these technologies is straight forward,</a:t>
             </a:r>
             <a:br>
-              <a:rPr lang="en-CA" sz="1600" dirty="0" smtClean="0"/>
+              <a:rPr lang="en-CA" sz="1600" dirty="0"/>
             </a:br>
             <a:r>
-              <a:rPr lang="en-CA" sz="1600" dirty="0" smtClean="0"/>
+              <a:rPr lang="en-CA" sz="1600" dirty="0"/>
               <a:t>going from those technologies </a:t>
             </a:r>
             <a:r>
-              <a:rPr lang="en-CA" sz="1600" dirty="0" smtClean="0">
+              <a:rPr lang="en-CA" sz="1600" dirty="0">
                 <a:sym typeface="Wingdings" pitchFamily="2" charset="2"/>
               </a:rPr>
               <a:t> OpenGL/DirectX is difficult/impossible</a:t>
             </a:r>
-            <a:endParaRPr lang="en-CA" sz="1600" dirty="0" smtClean="0">
+            <a:endParaRPr lang="en-CA" sz="1600" dirty="0">
               <a:solidFill>
                 <a:schemeClr val="tx1"/>
               </a:solidFill>
@@ -7384,7 +7345,7 @@
               </a:buClr>
               <a:defRPr/>
             </a:pPr>
-            <a:endParaRPr lang="en-CA" sz="1600" dirty="0" smtClean="0"/>
+            <a:endParaRPr lang="en-CA" sz="1600" dirty="0"/>
           </a:p>
         </p:txBody>
       </p:sp>
@@ -8044,10 +8005,9 @@
               <a:defRPr/>
             </a:pPr>
             <a:r>
-              <a:rPr lang="en-CA" dirty="0" smtClean="0"/>
+              <a:rPr lang="en-CA" dirty="0"/>
               <a:t>Today</a:t>
             </a:r>
-            <a:endParaRPr lang="en-CA" dirty="0"/>
           </a:p>
         </p:txBody>
       </p:sp>
@@ -8069,62 +8029,62 @@
           <a:lstStyle/>
           <a:p>
             <a:r>
-              <a:rPr lang="en-CA" dirty="0" smtClean="0"/>
+              <a:rPr lang="en-CA" dirty="0"/>
               <a:t>Some decisions (for you to make)</a:t>
             </a:r>
           </a:p>
           <a:p>
             <a:r>
-              <a:rPr lang="en-CA" dirty="0" smtClean="0"/>
+              <a:rPr lang="en-CA" dirty="0"/>
               <a:t>Visual Studio 15/17/19 and C/C++</a:t>
             </a:r>
           </a:p>
           <a:p>
             <a:pPr lvl="1"/>
             <a:r>
-              <a:rPr lang="en-CA" dirty="0" smtClean="0"/>
+              <a:rPr lang="en-CA" dirty="0"/>
               <a:t>Console (yeah, yeah, don’t complain)</a:t>
             </a:r>
           </a:p>
           <a:p>
             <a:pPr lvl="1"/>
             <a:r>
-              <a:rPr lang="en-CA" dirty="0" smtClean="0"/>
+              <a:rPr lang="en-CA" dirty="0"/>
               <a:t>See what you know in C/C++ (and the STL) and in Visual Studio</a:t>
             </a:r>
           </a:p>
           <a:p>
             <a:pPr lvl="1"/>
             <a:r>
-              <a:rPr lang="en-CA" dirty="0" smtClean="0"/>
+              <a:rPr lang="en-CA" dirty="0"/>
               <a:t>Win32/64 (</a:t>
             </a:r>
             <a:r>
-              <a:rPr lang="en-CA" dirty="0" err="1" smtClean="0"/>
+              <a:rPr lang="en-CA" dirty="0" err="1"/>
               <a:t>Whoot</a:t>
             </a:r>
             <a:r>
-              <a:rPr lang="en-CA" dirty="0" smtClean="0"/>
+              <a:rPr lang="en-CA" dirty="0"/>
               <a:t>! </a:t>
             </a:r>
             <a:r>
-              <a:rPr lang="en-CA" dirty="0" err="1" smtClean="0"/>
+              <a:rPr lang="en-CA" dirty="0" err="1"/>
               <a:t>Whoot</a:t>
             </a:r>
             <a:r>
-              <a:rPr lang="en-CA" dirty="0" smtClean="0"/>
+              <a:rPr lang="en-CA" dirty="0"/>
               <a:t>!)</a:t>
             </a:r>
           </a:p>
           <a:p>
             <a:pPr lvl="1"/>
             <a:r>
-              <a:rPr lang="en-CA" dirty="0" smtClean="0"/>
+              <a:rPr lang="en-CA" dirty="0"/>
               <a:t>Hopefully a very basic OpenGL application</a:t>
             </a:r>
           </a:p>
           <a:p>
-            <a:endParaRPr lang="en-CA" dirty="0" smtClean="0"/>
+            <a:endParaRPr lang="en-CA" dirty="0"/>
           </a:p>
         </p:txBody>
       </p:sp>
@@ -8590,10 +8550,9 @@
               <a:defRPr/>
             </a:pPr>
             <a:r>
-              <a:rPr lang="en-CA" dirty="0" smtClean="0"/>
+              <a:rPr lang="en-CA" dirty="0"/>
               <a:t>Graphics API dilemma... </a:t>
             </a:r>
-            <a:endParaRPr lang="en-CA" dirty="0"/>
           </a:p>
         </p:txBody>
       </p:sp>
@@ -8615,52 +8574,52 @@
           <a:lstStyle/>
           <a:p>
             <a:r>
-              <a:rPr lang="en-CA" sz="2400" dirty="0" smtClean="0"/>
+              <a:rPr lang="en-CA" sz="2400" dirty="0"/>
               <a:t>Long ago, long before 3D cards, there was OpenGL</a:t>
             </a:r>
           </a:p>
           <a:p>
             <a:r>
-              <a:rPr lang="en-CA" sz="2400" dirty="0" smtClean="0"/>
+              <a:rPr lang="en-CA" sz="2400" dirty="0"/>
               <a:t>It was an “off-line” (vs. “real time”) rendering thing</a:t>
             </a:r>
           </a:p>
           <a:p>
             <a:r>
-              <a:rPr lang="en-CA" sz="2400" dirty="0" smtClean="0"/>
+              <a:rPr lang="en-CA" sz="2400" dirty="0"/>
               <a:t>In the 90s, PCs started using it</a:t>
             </a:r>
           </a:p>
           <a:p>
             <a:pPr lvl="1"/>
             <a:r>
-              <a:rPr lang="en-CA" sz="2000" dirty="0" smtClean="0"/>
+              <a:rPr lang="en-CA" sz="2000" dirty="0"/>
               <a:t>There were 3D cards that could actually run OpenGL</a:t>
             </a:r>
           </a:p>
           <a:p>
             <a:pPr lvl="1"/>
             <a:r>
-              <a:rPr lang="en-CA" sz="2000" dirty="0" smtClean="0"/>
+              <a:rPr lang="en-CA" sz="2000" dirty="0"/>
               <a:t>Alternative was programming directly to the hardware (in DOS)</a:t>
             </a:r>
           </a:p>
           <a:p>
             <a:r>
-              <a:rPr lang="en-CA" sz="2200" dirty="0" smtClean="0"/>
+              <a:rPr lang="en-CA" sz="2200" dirty="0"/>
               <a:t>Microsoft introduces the “Game SDK” (aka “DirectX 1”)</a:t>
             </a:r>
           </a:p>
           <a:p>
             <a:pPr lvl="1"/>
             <a:r>
-              <a:rPr lang="en-CA" sz="2000" dirty="0" smtClean="0"/>
+              <a:rPr lang="en-CA" sz="2000" dirty="0"/>
               <a:t>Attempt to attract game developers to Windows</a:t>
             </a:r>
           </a:p>
           <a:p>
             <a:r>
-              <a:rPr lang="en-CA" sz="2200" dirty="0" smtClean="0"/>
+              <a:rPr lang="en-CA" sz="2200" dirty="0"/>
               <a:t>Id’s “Quake 2” is delivered on Windows 95, using OpenGL</a:t>
             </a:r>
           </a:p>
@@ -9268,10 +9227,9 @@
               <a:defRPr/>
             </a:pPr>
             <a:r>
-              <a:rPr lang="en-CA" dirty="0" smtClean="0"/>
+              <a:rPr lang="en-CA" dirty="0"/>
               <a:t>Graphics API dilemma... </a:t>
             </a:r>
-            <a:endParaRPr lang="en-CA" dirty="0"/>
           </a:p>
         </p:txBody>
       </p:sp>
@@ -9293,39 +9251,39 @@
           <a:lstStyle/>
           <a:p>
             <a:r>
-              <a:rPr lang="en-CA" sz="2400" dirty="0" smtClean="0"/>
+              <a:rPr lang="en-CA" sz="2400" dirty="0"/>
               <a:t>Id’s John </a:t>
             </a:r>
             <a:r>
-              <a:rPr lang="en-CA" sz="2400" dirty="0" err="1" smtClean="0"/>
+              <a:rPr lang="en-CA" sz="2400" dirty="0" err="1"/>
               <a:t>Carmack</a:t>
             </a:r>
             <a:r>
-              <a:rPr lang="en-CA" sz="2400" dirty="0" smtClean="0"/>
+              <a:rPr lang="en-CA" sz="2400" dirty="0"/>
               <a:t> makes “open letter” to Microsoft, asking for them to support OpenGL (an open standard)</a:t>
             </a:r>
           </a:p>
           <a:p>
             <a:r>
-              <a:rPr lang="en-CA" sz="2200" dirty="0" smtClean="0"/>
+              <a:rPr lang="en-CA" sz="2200" dirty="0"/>
               <a:t>Microsoft says “no” and moves forward on DirectX</a:t>
             </a:r>
           </a:p>
           <a:p>
             <a:r>
-              <a:rPr lang="en-CA" sz="2200" dirty="0" smtClean="0"/>
+              <a:rPr lang="en-CA" sz="2200" dirty="0"/>
               <a:t>DirectX still very difficult to work with</a:t>
             </a:r>
           </a:p>
           <a:p>
             <a:r>
-              <a:rPr lang="en-CA" sz="2200" dirty="0" smtClean="0"/>
+              <a:rPr lang="en-CA" sz="2200" dirty="0"/>
               <a:t>But, DirectX fosters (forces?) advancement in cards</a:t>
             </a:r>
           </a:p>
           <a:p>
             <a:r>
-              <a:rPr lang="en-CA" sz="2200" dirty="0" smtClean="0"/>
+              <a:rPr lang="en-CA" sz="2200" dirty="0"/>
               <a:t>OpenGL starts to lag behind</a:t>
             </a:r>
           </a:p>
@@ -9333,7 +9291,7 @@
             <a:pPr>
               <a:buNone/>
             </a:pPr>
-            <a:endParaRPr lang="en-CA" sz="2000" dirty="0" smtClean="0"/>
+            <a:endParaRPr lang="en-CA" sz="2000" dirty="0"/>
           </a:p>
         </p:txBody>
       </p:sp>
@@ -9810,10 +9768,9 @@
               <a:defRPr/>
             </a:pPr>
             <a:r>
-              <a:rPr lang="en-CA" dirty="0" smtClean="0"/>
+              <a:rPr lang="en-CA" dirty="0"/>
               <a:t>Graphics API dilemma... </a:t>
             </a:r>
-            <a:endParaRPr lang="en-CA" dirty="0"/>
           </a:p>
         </p:txBody>
       </p:sp>
@@ -9835,107 +9792,107 @@
           <a:lstStyle/>
           <a:p>
             <a:r>
-              <a:rPr lang="en-CA" sz="2200" dirty="0" smtClean="0"/>
+              <a:rPr lang="en-CA" sz="2200" dirty="0"/>
               <a:t>DirectX 8 introduces “programmable </a:t>
             </a:r>
             <a:r>
-              <a:rPr lang="en-CA" sz="2200" dirty="0" err="1" smtClean="0"/>
+              <a:rPr lang="en-CA" sz="2200" dirty="0" err="1"/>
               <a:t>shaders</a:t>
             </a:r>
             <a:r>
-              <a:rPr lang="en-CA" sz="2200" dirty="0" smtClean="0"/>
+              <a:rPr lang="en-CA" sz="2200" dirty="0"/>
               <a:t>”</a:t>
             </a:r>
           </a:p>
           <a:p>
             <a:pPr lvl="1"/>
             <a:r>
-              <a:rPr lang="en-CA" sz="1800" dirty="0" smtClean="0"/>
+              <a:rPr lang="en-CA" sz="1800" dirty="0"/>
               <a:t>In assembly language, but you no longer limited to “fixed function”</a:t>
             </a:r>
           </a:p>
           <a:p>
             <a:r>
-              <a:rPr lang="en-CA" sz="2000" dirty="0" smtClean="0"/>
+              <a:rPr lang="en-CA" sz="2000" dirty="0"/>
               <a:t>DirectX 9:</a:t>
             </a:r>
           </a:p>
           <a:p>
             <a:pPr lvl="1"/>
             <a:r>
-              <a:rPr lang="en-CA" sz="1800" dirty="0" smtClean="0"/>
+              <a:rPr lang="en-CA" sz="1800" dirty="0"/>
               <a:t>Cg and HLSL – “High Level Shading </a:t>
             </a:r>
             <a:r>
-              <a:rPr lang="en-CA" sz="1800" dirty="0" err="1" smtClean="0"/>
+              <a:rPr lang="en-CA" sz="1800" dirty="0" err="1"/>
               <a:t>Languge</a:t>
             </a:r>
             <a:r>
-              <a:rPr lang="en-CA" sz="1800" dirty="0" smtClean="0"/>
+              <a:rPr lang="en-CA" sz="1800" dirty="0"/>
               <a:t>” replaces assembly language </a:t>
             </a:r>
             <a:r>
-              <a:rPr lang="en-CA" sz="1800" dirty="0" err="1" smtClean="0"/>
+              <a:rPr lang="en-CA" sz="1800" dirty="0" err="1"/>
               <a:t>shaders</a:t>
             </a:r>
             <a:r>
-              <a:rPr lang="en-CA" sz="1800" dirty="0" smtClean="0"/>
+              <a:rPr lang="en-CA" sz="1800" dirty="0"/>
               <a:t>, making them mainstream</a:t>
             </a:r>
           </a:p>
           <a:p>
             <a:r>
-              <a:rPr lang="en-CA" sz="2000" dirty="0" smtClean="0"/>
+              <a:rPr lang="en-CA" sz="2000" dirty="0"/>
               <a:t>OpenGL add </a:t>
             </a:r>
             <a:r>
-              <a:rPr lang="en-CA" sz="2000" dirty="0" err="1" smtClean="0"/>
+              <a:rPr lang="en-CA" sz="2000" dirty="0" err="1"/>
               <a:t>shaders</a:t>
             </a:r>
             <a:r>
-              <a:rPr lang="en-CA" sz="2000" dirty="0" smtClean="0"/>
+              <a:rPr lang="en-CA" sz="2000" dirty="0"/>
               <a:t> and more features (2.0), but still lags behind</a:t>
             </a:r>
           </a:p>
           <a:p>
             <a:pPr lvl="1"/>
             <a:r>
-              <a:rPr lang="en-CA" sz="1800" dirty="0" smtClean="0"/>
+              <a:rPr lang="en-CA" sz="1800" dirty="0"/>
               <a:t>Immediate mode, for instance</a:t>
             </a:r>
           </a:p>
           <a:p>
             <a:r>
-              <a:rPr lang="en-CA" sz="2000" dirty="0" smtClean="0"/>
+              <a:rPr lang="en-CA" sz="2000" dirty="0"/>
               <a:t>DirectX 10: removal of “fixed function”, addition of “geometry </a:t>
             </a:r>
             <a:r>
-              <a:rPr lang="en-CA" sz="2000" dirty="0" err="1" smtClean="0"/>
+              <a:rPr lang="en-CA" sz="2000" dirty="0" err="1"/>
               <a:t>shader</a:t>
             </a:r>
             <a:r>
-              <a:rPr lang="en-CA" sz="2000" dirty="0" smtClean="0"/>
+              <a:rPr lang="en-CA" sz="2000" dirty="0"/>
               <a:t>”</a:t>
             </a:r>
           </a:p>
           <a:p>
             <a:r>
-              <a:rPr lang="en-CA" sz="2000" dirty="0" smtClean="0"/>
+              <a:rPr lang="en-CA" sz="2000" dirty="0"/>
               <a:t>DirectX 11: addition of “tessellation” </a:t>
             </a:r>
             <a:r>
-              <a:rPr lang="en-CA" sz="2000" dirty="0" err="1" smtClean="0"/>
+              <a:rPr lang="en-CA" sz="2000" dirty="0" err="1"/>
               <a:t>shader</a:t>
             </a:r>
             <a:r>
-              <a:rPr lang="en-CA" sz="2000" dirty="0" smtClean="0"/>
+              <a:rPr lang="en-CA" sz="2000" dirty="0"/>
               <a:t>, multi-threading</a:t>
             </a:r>
           </a:p>
           <a:p>
             <a:pPr lvl="1"/>
             <a:r>
-              <a:rPr lang="en-CA" sz="1600" dirty="0" smtClean="0"/>
+              <a:rPr lang="en-CA" sz="1600" dirty="0"/>
               <a:t>Still HLSL, but /many/ more capabilities are added</a:t>
             </a:r>
           </a:p>
@@ -9943,7 +9900,7 @@
             <a:pPr>
               <a:buNone/>
             </a:pPr>
-            <a:endParaRPr lang="en-CA" sz="2000" dirty="0" smtClean="0"/>
+            <a:endParaRPr lang="en-CA" sz="2000" dirty="0"/>
           </a:p>
         </p:txBody>
       </p:sp>
@@ -10592,10 +10549,10 @@
               <a:defRPr/>
             </a:pPr>
             <a:r>
-              <a:rPr lang="en-US" dirty="0" smtClean="0"/>
+              <a:rPr lang="en-US" dirty="0"/>
               <a:t>Who am I?</a:t>
             </a:r>
-            <a:endParaRPr lang="en-CA" dirty="0" smtClean="0"/>
+            <a:endParaRPr lang="en-CA" dirty="0"/>
           </a:p>
         </p:txBody>
       </p:sp>
@@ -10616,29 +10573,29 @@
           <a:p>
             <a:pPr eaLnBrk="1" hangingPunct="1"/>
             <a:r>
-              <a:rPr lang="en-US" dirty="0" smtClean="0"/>
+              <a:rPr lang="en-US" dirty="0"/>
               <a:t>Michael Feeney Jr.</a:t>
             </a:r>
           </a:p>
           <a:p>
             <a:pPr eaLnBrk="1" hangingPunct="1"/>
             <a:r>
-              <a:rPr lang="en-US" dirty="0" smtClean="0"/>
+              <a:rPr lang="en-US" dirty="0"/>
               <a:t>6</a:t>
             </a:r>
             <a:r>
-              <a:rPr lang="en-US" baseline="30000" dirty="0" smtClean="0"/>
+              <a:rPr lang="en-US" baseline="30000" dirty="0"/>
               <a:t>th</a:t>
             </a:r>
             <a:r>
-              <a:rPr lang="en-US" dirty="0" smtClean="0"/>
+              <a:rPr lang="en-US" dirty="0"/>
               <a:t> floor, 130 Dundas</a:t>
             </a:r>
           </a:p>
           <a:p>
             <a:pPr eaLnBrk="1" hangingPunct="1"/>
             <a:r>
-              <a:rPr lang="en-US" dirty="0" smtClean="0">
+              <a:rPr lang="en-US" dirty="0">
                 <a:solidFill>
                   <a:srgbClr val="002060"/>
                 </a:solidFill>
@@ -10646,7 +10603,7 @@
               </a:rPr>
               <a:t>mfeeney@fanshawec.ca</a:t>
             </a:r>
-            <a:endParaRPr lang="en-US" dirty="0" smtClean="0">
+            <a:endParaRPr lang="en-US" dirty="0">
               <a:solidFill>
                 <a:srgbClr val="002060"/>
               </a:solidFill>
@@ -10655,26 +10612,26 @@
           <a:p>
             <a:pPr eaLnBrk="1" hangingPunct="1"/>
             <a:r>
-              <a:rPr lang="en-US" sz="2800" dirty="0" smtClean="0"/>
+              <a:rPr lang="en-US" sz="2800" dirty="0"/>
               <a:t>Please, please, please, please, please, please, please, please ,please, please, please, please, </a:t>
             </a:r>
             <a:r>
-              <a:rPr lang="en-US" b="1" i="1" u="sng" dirty="0" smtClean="0"/>
+              <a:rPr lang="en-US" b="1" i="1" u="sng" dirty="0"/>
               <a:t>DON’T</a:t>
             </a:r>
             <a:r>
-              <a:rPr lang="en-US" sz="2800" dirty="0" smtClean="0"/>
+              <a:rPr lang="en-US" sz="2800" dirty="0"/>
               <a:t> e-mail me at mfeeney@fanshawe</a:t>
             </a:r>
             <a:r>
-              <a:rPr lang="en-US" sz="2800" b="1" i="1" dirty="0" smtClean="0"/>
+              <a:rPr lang="en-US" sz="2800" b="1" i="1" dirty="0"/>
               <a:t>online</a:t>
             </a:r>
             <a:r>
-              <a:rPr lang="en-US" sz="2800" dirty="0" smtClean="0"/>
+              <a:rPr lang="en-US" sz="2800" dirty="0"/>
               <a:t>.ca</a:t>
             </a:r>
-            <a:endParaRPr lang="en-CA" sz="2800" dirty="0" smtClean="0"/>
+            <a:endParaRPr lang="en-CA" sz="2800" dirty="0"/>
           </a:p>
         </p:txBody>
       </p:sp>
@@ -11391,10 +11348,9 @@
               <a:defRPr/>
             </a:pPr>
             <a:r>
-              <a:rPr lang="en-CA" dirty="0" smtClean="0"/>
+              <a:rPr lang="en-CA" dirty="0"/>
               <a:t>Graphics API dilemma... </a:t>
             </a:r>
-            <a:endParaRPr lang="en-CA" dirty="0"/>
           </a:p>
         </p:txBody>
       </p:sp>
@@ -11416,42 +11372,42 @@
           <a:lstStyle/>
           <a:p>
             <a:r>
-              <a:rPr lang="en-CA" sz="2200" dirty="0" smtClean="0"/>
+              <a:rPr lang="en-CA" sz="2200" dirty="0"/>
               <a:t>At this point, OpenGL is </a:t>
             </a:r>
             <a:r>
-              <a:rPr lang="en-CA" sz="2200" i="1" u="sng" dirty="0" smtClean="0"/>
+              <a:rPr lang="en-CA" sz="2200" i="1" u="sng" dirty="0"/>
               <a:t>desperately</a:t>
             </a:r>
             <a:r>
-              <a:rPr lang="en-CA" sz="2200" dirty="0" smtClean="0"/>
+              <a:rPr lang="en-CA" sz="2200" dirty="0"/>
               <a:t> behind DirectX</a:t>
             </a:r>
           </a:p>
           <a:p>
             <a:r>
-              <a:rPr lang="en-CA" sz="2200" dirty="0" smtClean="0"/>
+              <a:rPr lang="en-CA" sz="2200" dirty="0"/>
               <a:t>OpenGL ES (Embedded System) has been introduced (1.x is “fixed function” but with some “extensions” – i.e. RSX in the PlayStation 3.0), and 2.0 (</a:t>
             </a:r>
             <a:r>
-              <a:rPr lang="en-CA" sz="2200" dirty="0" err="1" smtClean="0"/>
+              <a:rPr lang="en-CA" sz="2200" dirty="0" err="1"/>
               <a:t>shader</a:t>
             </a:r>
             <a:r>
-              <a:rPr lang="en-CA" sz="2200" dirty="0" smtClean="0"/>
+              <a:rPr lang="en-CA" sz="2200" dirty="0"/>
               <a:t> based) is around</a:t>
             </a:r>
           </a:p>
           <a:p>
             <a:pPr lvl="1"/>
             <a:r>
-              <a:rPr lang="en-CA" sz="1800" dirty="0" smtClean="0"/>
+              <a:rPr lang="en-CA" sz="1800" dirty="0"/>
               <a:t>Main difference is the “immediate mode”: ES has no “immediate mode” where OpenGL still supports it. </a:t>
             </a:r>
           </a:p>
           <a:p>
             <a:r>
-              <a:rPr lang="en-CA" sz="2000" dirty="0" smtClean="0"/>
+              <a:rPr lang="en-CA" sz="2000" dirty="0"/>
               <a:t>OpenGL supported by vendors, but group very dysfunctional</a:t>
             </a:r>
           </a:p>
@@ -11459,7 +11415,7 @@
             <a:pPr>
               <a:buNone/>
             </a:pPr>
-            <a:endParaRPr lang="en-CA" sz="2000" dirty="0" smtClean="0"/>
+            <a:endParaRPr lang="en-CA" sz="2000" dirty="0"/>
           </a:p>
         </p:txBody>
       </p:sp>
@@ -11857,10 +11813,9 @@
               <a:defRPr/>
             </a:pPr>
             <a:r>
-              <a:rPr lang="en-CA" dirty="0" smtClean="0"/>
+              <a:rPr lang="en-CA" dirty="0"/>
               <a:t>Graphics API dilemma... </a:t>
             </a:r>
-            <a:endParaRPr lang="en-CA" dirty="0"/>
           </a:p>
         </p:txBody>
       </p:sp>
@@ -11882,41 +11837,41 @@
           <a:lstStyle/>
           <a:p>
             <a:r>
-              <a:rPr lang="en-CA" sz="2000" dirty="0" smtClean="0"/>
+              <a:rPr lang="en-CA" sz="2000" dirty="0"/>
               <a:t>OpenGL gives up control to the </a:t>
             </a:r>
             <a:r>
-              <a:rPr lang="en-CA" sz="2000" dirty="0" err="1" smtClean="0"/>
+              <a:rPr lang="en-CA" sz="2000" dirty="0" err="1"/>
               <a:t>Khronos</a:t>
             </a:r>
             <a:r>
-              <a:rPr lang="en-CA" sz="2000" dirty="0" smtClean="0"/>
+              <a:rPr lang="en-CA" sz="2000" dirty="0"/>
               <a:t> Group (a standards body, supported by industry)</a:t>
             </a:r>
           </a:p>
           <a:p>
             <a:pPr lvl="1"/>
             <a:r>
-              <a:rPr lang="en-CA" sz="1800" dirty="0" smtClean="0"/>
+              <a:rPr lang="en-CA" sz="1800" dirty="0"/>
               <a:t>Starts to make changes: OpenGL 3.0, 3.1, 3.2</a:t>
             </a:r>
           </a:p>
           <a:p>
             <a:pPr lvl="1"/>
             <a:r>
-              <a:rPr lang="en-CA" sz="1800" dirty="0" smtClean="0"/>
+              <a:rPr lang="en-CA" sz="1800" dirty="0"/>
               <a:t>But it’s not really “catching up” with DirectX 11</a:t>
             </a:r>
           </a:p>
           <a:p>
             <a:r>
-              <a:rPr lang="en-CA" sz="2000" dirty="0" smtClean="0"/>
+              <a:rPr lang="en-CA" sz="2000" dirty="0"/>
               <a:t>Then “Windows 8” happens...</a:t>
             </a:r>
           </a:p>
           <a:p>
             <a:r>
-              <a:rPr lang="en-CA" sz="2000" dirty="0" smtClean="0"/>
+              <a:rPr lang="en-CA" sz="2000" dirty="0"/>
               <a:t>Microsoft attempts to unite both desktop/notebook &amp; tablet/phone OS</a:t>
             </a:r>
           </a:p>
@@ -11924,7 +11879,7 @@
             <a:pPr>
               <a:buNone/>
             </a:pPr>
-            <a:endParaRPr lang="en-CA" sz="2000" dirty="0" smtClean="0"/>
+            <a:endParaRPr lang="en-CA" sz="2000" dirty="0"/>
           </a:p>
         </p:txBody>
       </p:sp>
@@ -12365,10 +12320,9 @@
               <a:defRPr/>
             </a:pPr>
             <a:r>
-              <a:rPr lang="en-CA" dirty="0" smtClean="0"/>
+              <a:rPr lang="en-CA" dirty="0"/>
               <a:t>Graphics API dilemma... </a:t>
             </a:r>
-            <a:endParaRPr lang="en-CA" dirty="0"/>
           </a:p>
         </p:txBody>
       </p:sp>
@@ -12390,74 +12344,74 @@
           <a:lstStyle/>
           <a:p>
             <a:r>
-              <a:rPr lang="en-CA" sz="2000" dirty="0" smtClean="0"/>
+              <a:rPr lang="en-CA" sz="2000" dirty="0"/>
               <a:t>Noble, but the CPUs/GPUs are vastly different</a:t>
             </a:r>
           </a:p>
           <a:p>
             <a:r>
-              <a:rPr lang="en-CA" sz="1800" dirty="0" smtClean="0"/>
+              <a:rPr lang="en-CA" sz="1800" dirty="0"/>
               <a:t>DirectX 11.1: removes many key elements to make it “tablet/phone” compatible</a:t>
             </a:r>
           </a:p>
           <a:p>
             <a:pPr lvl="1"/>
             <a:r>
-              <a:rPr lang="en-CA" sz="1900" dirty="0" smtClean="0"/>
+              <a:rPr lang="en-CA" sz="1900" dirty="0"/>
               <a:t>Intended for Windows 8 “only”</a:t>
             </a:r>
           </a:p>
           <a:p>
             <a:pPr lvl="1"/>
             <a:r>
-              <a:rPr lang="en-CA" sz="1900" dirty="0" smtClean="0"/>
+              <a:rPr lang="en-CA" sz="1900" dirty="0"/>
               <a:t>Also *not* backward compatible (even to Windows 7)</a:t>
             </a:r>
           </a:p>
           <a:p>
             <a:pPr lvl="1"/>
             <a:r>
-              <a:rPr lang="en-CA" sz="1900" dirty="0" smtClean="0"/>
+              <a:rPr lang="en-CA" sz="1900" dirty="0"/>
               <a:t>Problems with “content” in Windows Store</a:t>
             </a:r>
           </a:p>
           <a:p>
             <a:pPr lvl="1"/>
             <a:r>
-              <a:rPr lang="en-CA" sz="1900" dirty="0" smtClean="0"/>
+              <a:rPr lang="en-CA" sz="1900" dirty="0"/>
               <a:t>Need new version of Visual Studio (2012) – which you have to buy</a:t>
             </a:r>
           </a:p>
           <a:p>
             <a:pPr lvl="1"/>
             <a:r>
-              <a:rPr lang="en-CA" sz="1900" dirty="0" smtClean="0"/>
+              <a:rPr lang="en-CA" sz="1900" dirty="0"/>
               <a:t>Changes math library (aka “giant pain in the neck”) to keep compatibility with all platforms</a:t>
             </a:r>
           </a:p>
           <a:p>
             <a:pPr lvl="1"/>
             <a:r>
-              <a:rPr lang="en-CA" sz="1900" dirty="0" smtClean="0"/>
+              <a:rPr lang="en-CA" sz="1900" dirty="0"/>
               <a:t>Moves DirectX SDK into Windows SDK (but screws up when installing both)</a:t>
             </a:r>
           </a:p>
           <a:p>
             <a:pPr lvl="2"/>
             <a:r>
-              <a:rPr lang="en-CA" sz="1800" dirty="0" smtClean="0"/>
+              <a:rPr lang="en-CA" sz="1800" dirty="0"/>
               <a:t>i.e. You can only (easily) make either Windows 7 or Windows 8 DirectX apps – if you install both SDKs, you get all kinds of problems (using different versions of Visual Studio cause even more problems)</a:t>
             </a:r>
           </a:p>
           <a:p>
             <a:pPr lvl="1"/>
-            <a:endParaRPr lang="en-CA" sz="1600" dirty="0" smtClean="0"/>
+            <a:endParaRPr lang="en-CA" sz="1600" dirty="0"/>
           </a:p>
           <a:p>
             <a:pPr>
               <a:buNone/>
             </a:pPr>
-            <a:endParaRPr lang="en-CA" sz="2000" dirty="0" smtClean="0"/>
+            <a:endParaRPr lang="en-CA" sz="2000" dirty="0"/>
           </a:p>
         </p:txBody>
       </p:sp>
@@ -13052,10 +13006,9 @@
               <a:defRPr/>
             </a:pPr>
             <a:r>
-              <a:rPr lang="en-CA" dirty="0" smtClean="0"/>
+              <a:rPr lang="en-CA" dirty="0"/>
               <a:t>Graphics API dilemma... </a:t>
             </a:r>
-            <a:endParaRPr lang="en-CA" dirty="0"/>
           </a:p>
         </p:txBody>
       </p:sp>
@@ -13077,58 +13030,58 @@
           <a:lstStyle/>
           <a:p>
             <a:r>
-              <a:rPr lang="en-CA" sz="2100" dirty="0" smtClean="0"/>
+              <a:rPr lang="en-CA" sz="2100" dirty="0"/>
               <a:t>DirectX 11.2 (for Windows 8.1)</a:t>
             </a:r>
           </a:p>
           <a:p>
             <a:pPr lvl="1"/>
             <a:r>
-              <a:rPr lang="en-CA" sz="1900" dirty="0" smtClean="0"/>
+              <a:rPr lang="en-CA" sz="1900" dirty="0"/>
               <a:t>Again, not (fully) backwards compatible (even to Windows 8. Really.)</a:t>
             </a:r>
           </a:p>
           <a:p>
             <a:pPr lvl="1"/>
             <a:r>
-              <a:rPr lang="en-CA" sz="1900" dirty="0" smtClean="0"/>
+              <a:rPr lang="en-CA" sz="1900" dirty="0"/>
               <a:t>Changes math library (again), fixing some assumptions</a:t>
             </a:r>
           </a:p>
           <a:p>
             <a:pPr lvl="1"/>
             <a:r>
-              <a:rPr lang="en-CA" sz="1900" dirty="0" smtClean="0"/>
+              <a:rPr lang="en-CA" sz="1900" dirty="0"/>
               <a:t>Need *another* version of Visual Studio (2013)</a:t>
             </a:r>
           </a:p>
           <a:p>
             <a:pPr lvl="1"/>
             <a:r>
-              <a:rPr lang="en-CA" sz="1900" dirty="0" smtClean="0"/>
+              <a:rPr lang="en-CA" sz="1900" dirty="0"/>
               <a:t>...which (again) causes problems when multiple versions of either the SDKs and/or Visual Studio versions are installed</a:t>
             </a:r>
           </a:p>
           <a:p>
             <a:pPr lvl="1"/>
             <a:r>
-              <a:rPr lang="en-CA" sz="1900" dirty="0" smtClean="0"/>
+              <a:rPr lang="en-CA" sz="1900" dirty="0"/>
               <a:t>(Remote debugging was improved, though)</a:t>
             </a:r>
           </a:p>
           <a:p>
             <a:pPr lvl="1"/>
-            <a:endParaRPr lang="en-CA" sz="1900" dirty="0" smtClean="0"/>
+            <a:endParaRPr lang="en-CA" sz="1900" dirty="0"/>
           </a:p>
           <a:p>
             <a:pPr lvl="1"/>
-            <a:endParaRPr lang="en-CA" sz="1600" dirty="0" smtClean="0"/>
+            <a:endParaRPr lang="en-CA" sz="1600" dirty="0"/>
           </a:p>
           <a:p>
             <a:pPr>
               <a:buNone/>
             </a:pPr>
-            <a:endParaRPr lang="en-CA" sz="2000" dirty="0" smtClean="0"/>
+            <a:endParaRPr lang="en-CA" sz="2000" dirty="0"/>
           </a:p>
         </p:txBody>
       </p:sp>
@@ -13576,10 +13529,9 @@
               <a:defRPr/>
             </a:pPr>
             <a:r>
-              <a:rPr lang="en-CA" dirty="0" smtClean="0"/>
+              <a:rPr lang="en-CA" dirty="0"/>
               <a:t>Graphics API dilemma... </a:t>
             </a:r>
-            <a:endParaRPr lang="en-CA" dirty="0"/>
           </a:p>
         </p:txBody>
       </p:sp>
@@ -13601,71 +13553,71 @@
           <a:lstStyle/>
           <a:p>
             <a:r>
-              <a:rPr lang="en-CA" sz="2100" dirty="0" smtClean="0"/>
+              <a:rPr lang="en-CA" sz="2100" dirty="0"/>
               <a:t>No talk of “DirectX 12”??</a:t>
             </a:r>
           </a:p>
           <a:p>
             <a:pPr lvl="1"/>
             <a:r>
-              <a:rPr lang="en-CA" sz="1900" dirty="0" smtClean="0"/>
+              <a:rPr lang="en-CA" sz="1900" dirty="0"/>
               <a:t>at the 2013 GDC, people on stage - from </a:t>
             </a:r>
             <a:r>
-              <a:rPr lang="en-CA" sz="1900" dirty="0" err="1" smtClean="0"/>
+              <a:rPr lang="en-CA" sz="1900" dirty="0" err="1"/>
               <a:t>nVidia</a:t>
             </a:r>
             <a:r>
-              <a:rPr lang="en-CA" sz="1900" dirty="0" smtClean="0"/>
+              <a:rPr lang="en-CA" sz="1900" dirty="0"/>
               <a:t>, AMD, and Intel - were asking the audience “if there is anyone from Microsoft who knows what’s going on with DirectX 12, please talk to us.”</a:t>
             </a:r>
           </a:p>
           <a:p>
             <a:pPr lvl="1"/>
             <a:r>
-              <a:rPr lang="en-CA" sz="1900" dirty="0" smtClean="0"/>
+              <a:rPr lang="en-CA" sz="1900" dirty="0"/>
               <a:t>Really. That was happening.</a:t>
             </a:r>
           </a:p>
           <a:p>
             <a:r>
-              <a:rPr lang="en-CA" sz="2100" dirty="0" smtClean="0"/>
+              <a:rPr lang="en-CA" sz="2100" dirty="0"/>
               <a:t>AMD has made suggestions of something called “Mantle” (which is supposed to be “all that”), but there’s been no actual specification</a:t>
             </a:r>
           </a:p>
           <a:p>
             <a:r>
-              <a:rPr lang="en-CA" sz="2100" dirty="0" smtClean="0"/>
+              <a:rPr lang="en-CA" sz="2100" dirty="0"/>
               <a:t>At 2014 GDC, Microsoft announces that “DirectX 12” will be “like Mantle” (alternative 3D API proposed by AMD) – in that it’s low level and redesigned the API</a:t>
             </a:r>
           </a:p>
           <a:p>
             <a:pPr lvl="1"/>
             <a:r>
-              <a:rPr lang="en-CA" sz="1900" dirty="0" smtClean="0"/>
+              <a:rPr lang="en-CA" sz="1900" dirty="0"/>
               <a:t>No other (real) information has come out (yet)</a:t>
             </a:r>
           </a:p>
           <a:p>
             <a:pPr lvl="1"/>
             <a:r>
-              <a:rPr lang="en-CA" sz="1900" dirty="0" smtClean="0"/>
+              <a:rPr lang="en-CA" sz="1900" dirty="0"/>
               <a:t>Mantle has a bunch of video demos, but little code/documentation is released from AMD. </a:t>
             </a:r>
           </a:p>
           <a:p>
             <a:pPr lvl="1"/>
-            <a:endParaRPr lang="en-CA" sz="1900" dirty="0" smtClean="0"/>
+            <a:endParaRPr lang="en-CA" sz="1900" dirty="0"/>
           </a:p>
           <a:p>
             <a:pPr lvl="1"/>
-            <a:endParaRPr lang="en-CA" sz="1600" dirty="0" smtClean="0"/>
+            <a:endParaRPr lang="en-CA" sz="1600" dirty="0"/>
           </a:p>
           <a:p>
             <a:pPr>
               <a:buNone/>
             </a:pPr>
-            <a:endParaRPr lang="en-CA" sz="2000" dirty="0" smtClean="0"/>
+            <a:endParaRPr lang="en-CA" sz="2000" dirty="0"/>
           </a:p>
         </p:txBody>
       </p:sp>
@@ -14192,10 +14144,9 @@
               <a:defRPr/>
             </a:pPr>
             <a:r>
-              <a:rPr lang="en-CA" dirty="0" smtClean="0"/>
+              <a:rPr lang="en-CA" dirty="0"/>
               <a:t>Graphics API dilemma... </a:t>
             </a:r>
-            <a:endParaRPr lang="en-CA" dirty="0"/>
           </a:p>
         </p:txBody>
       </p:sp>
@@ -14217,87 +14168,87 @@
           <a:lstStyle/>
           <a:p>
             <a:r>
-              <a:rPr lang="en-CA" sz="2100" dirty="0" smtClean="0"/>
+              <a:rPr lang="en-CA" sz="2100" dirty="0"/>
               <a:t>Meanwhile, OpenGL “picked up its game”</a:t>
             </a:r>
           </a:p>
           <a:p>
             <a:r>
-              <a:rPr lang="en-CA" sz="2100" dirty="0" smtClean="0"/>
+              <a:rPr lang="en-CA" sz="2100" dirty="0"/>
               <a:t>OpenGL 3.x – introduction of geometry </a:t>
             </a:r>
             <a:r>
-              <a:rPr lang="en-CA" sz="2100" dirty="0" err="1" smtClean="0"/>
+              <a:rPr lang="en-CA" sz="2100" dirty="0" err="1"/>
               <a:t>shader</a:t>
             </a:r>
             <a:r>
-              <a:rPr lang="en-CA" sz="2100" dirty="0" smtClean="0"/>
+              <a:rPr lang="en-CA" sz="2100" dirty="0"/>
               <a:t> (DirectX 10)</a:t>
             </a:r>
           </a:p>
           <a:p>
             <a:pPr lvl="1"/>
             <a:r>
-              <a:rPr lang="en-CA" sz="1900" dirty="0" smtClean="0"/>
+              <a:rPr lang="en-CA" sz="1900" dirty="0"/>
               <a:t>Path for full deprecation of older (1.x) OpenGL calls</a:t>
             </a:r>
           </a:p>
           <a:p>
             <a:pPr lvl="1"/>
             <a:r>
-              <a:rPr lang="en-CA" sz="1900" dirty="0" smtClean="0"/>
+              <a:rPr lang="en-CA" sz="1900" dirty="0"/>
               <a:t>Removal of fixed function </a:t>
             </a:r>
             <a:r>
-              <a:rPr lang="en-CA" sz="1900" dirty="0" err="1" smtClean="0"/>
+              <a:rPr lang="en-CA" sz="1900" dirty="0" err="1"/>
               <a:t>shader</a:t>
             </a:r>
             <a:r>
-              <a:rPr lang="en-CA" sz="1900" dirty="0" smtClean="0"/>
+              <a:rPr lang="en-CA" sz="1900" dirty="0"/>
               <a:t> </a:t>
             </a:r>
           </a:p>
           <a:p>
             <a:r>
-              <a:rPr lang="en-CA" sz="2100" dirty="0" smtClean="0"/>
+              <a:rPr lang="en-CA" sz="2100" dirty="0"/>
               <a:t>OpenGL 4.0 – introduction of tessellation </a:t>
             </a:r>
             <a:r>
-              <a:rPr lang="en-CA" sz="2100" dirty="0" err="1" smtClean="0"/>
+              <a:rPr lang="en-CA" sz="2100" dirty="0" err="1"/>
               <a:t>shader</a:t>
             </a:r>
             <a:r>
-              <a:rPr lang="en-CA" sz="2100" dirty="0" smtClean="0"/>
+              <a:rPr lang="en-CA" sz="2100" dirty="0"/>
               <a:t> (DirectX 11)</a:t>
             </a:r>
           </a:p>
           <a:p>
             <a:pPr lvl="1"/>
             <a:r>
-              <a:rPr lang="en-CA" sz="1900" dirty="0" smtClean="0"/>
+              <a:rPr lang="en-CA" sz="1900" dirty="0"/>
               <a:t>Immediate mode is norm</a:t>
             </a:r>
           </a:p>
           <a:p>
             <a:pPr lvl="1"/>
             <a:r>
-              <a:rPr lang="en-CA" sz="1900" dirty="0" smtClean="0"/>
+              <a:rPr lang="en-CA" sz="1900" dirty="0"/>
               <a:t>It’s more or less “DirectX 11” like</a:t>
             </a:r>
           </a:p>
           <a:p>
             <a:pPr lvl="1"/>
-            <a:endParaRPr lang="en-CA" sz="1900" dirty="0" smtClean="0"/>
+            <a:endParaRPr lang="en-CA" sz="1900" dirty="0"/>
           </a:p>
           <a:p>
             <a:pPr lvl="1"/>
-            <a:endParaRPr lang="en-CA" sz="1600" dirty="0" smtClean="0"/>
+            <a:endParaRPr lang="en-CA" sz="1600" dirty="0"/>
           </a:p>
           <a:p>
             <a:pPr>
               <a:buNone/>
             </a:pPr>
-            <a:endParaRPr lang="en-CA" sz="2000" dirty="0" smtClean="0"/>
+            <a:endParaRPr lang="en-CA" sz="2000" dirty="0"/>
           </a:p>
         </p:txBody>
       </p:sp>
@@ -14824,10 +14775,9 @@
               <a:defRPr/>
             </a:pPr>
             <a:r>
-              <a:rPr lang="en-CA" dirty="0" smtClean="0"/>
+              <a:rPr lang="en-CA" dirty="0"/>
               <a:t>Graphics API dilemma... </a:t>
             </a:r>
-            <a:endParaRPr lang="en-CA" dirty="0"/>
           </a:p>
         </p:txBody>
       </p:sp>
@@ -14849,82 +14799,82 @@
           <a:lstStyle/>
           <a:p>
             <a:r>
-              <a:rPr lang="en-CA" sz="2100" dirty="0" smtClean="0"/>
+              <a:rPr lang="en-CA" sz="2100" dirty="0"/>
               <a:t>GDC 2013/14</a:t>
             </a:r>
           </a:p>
           <a:p>
             <a:pPr lvl="1"/>
             <a:r>
-              <a:rPr lang="en-CA" sz="1900" dirty="0" smtClean="0"/>
+              <a:rPr lang="en-CA" sz="1900" dirty="0"/>
               <a:t>Video card vendors adding tons of “extensions” to their drivers to utilize new hardware</a:t>
             </a:r>
           </a:p>
           <a:p>
             <a:pPr lvl="1"/>
             <a:r>
-              <a:rPr lang="en-CA" sz="1900" dirty="0" smtClean="0"/>
+              <a:rPr lang="en-CA" sz="1900" dirty="0"/>
               <a:t>DirectX adds nothing (can’t take advantage of it)</a:t>
             </a:r>
           </a:p>
           <a:p>
             <a:pPr lvl="1"/>
             <a:r>
-              <a:rPr lang="en-CA" sz="1900" dirty="0" smtClean="0"/>
+              <a:rPr lang="en-CA" sz="1900" dirty="0"/>
               <a:t>They are very advanced, but they are still present (in OpenGL only)</a:t>
             </a:r>
           </a:p>
           <a:p>
             <a:r>
-              <a:rPr lang="en-CA" sz="2100" dirty="0" smtClean="0"/>
+              <a:rPr lang="en-CA" sz="2100" dirty="0"/>
               <a:t>August 2014: </a:t>
             </a:r>
           </a:p>
           <a:p>
             <a:pPr lvl="1"/>
             <a:r>
-              <a:rPr lang="en-CA" sz="1900" dirty="0" err="1" smtClean="0"/>
+              <a:rPr lang="en-CA" sz="1900" dirty="0" err="1"/>
               <a:t>nVidia</a:t>
             </a:r>
             <a:r>
-              <a:rPr lang="en-CA" sz="1900" dirty="0" smtClean="0"/>
+              <a:rPr lang="en-CA" sz="1900" dirty="0"/>
               <a:t>, tired of waiting, releases OpenGL 4.5 in latest driver</a:t>
             </a:r>
           </a:p>
           <a:p>
             <a:pPr lvl="1"/>
             <a:r>
-              <a:rPr lang="en-CA" sz="1900" dirty="0" smtClean="0"/>
+              <a:rPr lang="en-CA" sz="1900" dirty="0"/>
               <a:t>It has a huge number of options including...</a:t>
             </a:r>
           </a:p>
           <a:p>
             <a:pPr lvl="1"/>
             <a:r>
-              <a:rPr lang="en-CA" sz="1900" dirty="0" smtClean="0"/>
+              <a:rPr lang="en-CA" sz="1900" dirty="0"/>
               <a:t>...“DX11 emulation features” (ouch!)</a:t>
             </a:r>
           </a:p>
           <a:p>
             <a:pPr lvl="1"/>
             <a:r>
-              <a:rPr lang="en-CA" sz="1900" dirty="0" smtClean="0"/>
+              <a:rPr lang="en-CA" sz="1900" dirty="0"/>
               <a:t>Also has “compatibility” options for OpenGL ES</a:t>
             </a:r>
           </a:p>
           <a:p>
             <a:pPr lvl="1"/>
-            <a:endParaRPr lang="en-CA" sz="1900" dirty="0" smtClean="0"/>
+            <a:endParaRPr lang="en-CA" sz="1900" dirty="0"/>
           </a:p>
           <a:p>
             <a:pPr lvl="1"/>
-            <a:endParaRPr lang="en-CA" sz="1600" dirty="0" smtClean="0"/>
+            <a:endParaRPr lang="en-CA" sz="1600" dirty="0"/>
           </a:p>
           <a:p>
             <a:pPr>
               <a:buNone/>
             </a:pPr>
-            <a:endParaRPr lang="en-CA" sz="2000" dirty="0" smtClean="0"/>
+            <a:endParaRPr lang="en-CA" sz="2000" dirty="0"/>
           </a:p>
         </p:txBody>
       </p:sp>
@@ -15519,10 +15469,9 @@
               <a:defRPr/>
             </a:pPr>
             <a:r>
-              <a:rPr lang="en-CA" dirty="0" smtClean="0"/>
+              <a:rPr lang="en-CA" dirty="0"/>
               <a:t>Graphics API dilemma... </a:t>
             </a:r>
-            <a:endParaRPr lang="en-CA" dirty="0"/>
           </a:p>
         </p:txBody>
       </p:sp>
@@ -15544,101 +15493,101 @@
           <a:lstStyle/>
           <a:p>
             <a:r>
-              <a:rPr lang="en-CA" sz="2100" dirty="0" smtClean="0"/>
+              <a:rPr lang="en-CA" sz="2100" dirty="0"/>
               <a:t>DirectX:</a:t>
             </a:r>
           </a:p>
           <a:p>
             <a:pPr lvl="1"/>
             <a:r>
-              <a:rPr lang="en-CA" sz="1700" dirty="0" smtClean="0"/>
+              <a:rPr lang="en-CA" sz="1700" dirty="0"/>
               <a:t>Microsoft: Windows, Windows Phone, </a:t>
             </a:r>
             <a:r>
-              <a:rPr lang="en-CA" sz="1700" dirty="0" err="1" smtClean="0"/>
+              <a:rPr lang="en-CA" sz="1700" dirty="0" err="1"/>
               <a:t>xbox</a:t>
             </a:r>
             <a:r>
-              <a:rPr lang="en-CA" sz="1700" dirty="0" smtClean="0"/>
+              <a:rPr lang="en-CA" sz="1700" dirty="0"/>
               <a:t> (360: 9-ish, one: 11+)</a:t>
             </a:r>
           </a:p>
           <a:p>
             <a:pPr lvl="1"/>
             <a:r>
-              <a:rPr lang="en-CA" sz="1700" dirty="0" smtClean="0"/>
+              <a:rPr lang="en-CA" sz="1700" dirty="0"/>
               <a:t>DirectX 12 is only for Windows 10 (won’t run on 7 or 8)</a:t>
             </a:r>
           </a:p>
           <a:p>
             <a:r>
-              <a:rPr lang="en-CA" sz="1900" dirty="0" smtClean="0"/>
+              <a:rPr lang="en-CA" sz="1900" dirty="0"/>
               <a:t>OpenGL </a:t>
             </a:r>
           </a:p>
           <a:p>
             <a:pPr lvl="1"/>
             <a:r>
-              <a:rPr lang="en-CA" sz="1700" dirty="0" smtClean="0"/>
+              <a:rPr lang="en-CA" sz="1700" dirty="0"/>
               <a:t>Everyone else</a:t>
             </a:r>
           </a:p>
           <a:p>
             <a:pPr lvl="1"/>
             <a:r>
-              <a:rPr lang="en-CA" sz="1700" dirty="0" smtClean="0"/>
+              <a:rPr lang="en-CA" sz="1700" dirty="0"/>
               <a:t>ES on mobile, tablet, some consoles (shield, OUYA, PS3 etc.)</a:t>
             </a:r>
           </a:p>
           <a:p>
             <a:pPr lvl="1"/>
             <a:r>
-              <a:rPr lang="en-CA" sz="1700" dirty="0" smtClean="0"/>
+              <a:rPr lang="en-CA" sz="1700" dirty="0"/>
               <a:t>PlayStation 4</a:t>
             </a:r>
           </a:p>
           <a:p>
             <a:pPr lvl="1"/>
             <a:r>
-              <a:rPr lang="en-CA" sz="1700" dirty="0" smtClean="0"/>
+              <a:rPr lang="en-CA" sz="1700" dirty="0"/>
               <a:t>Apple (both OSX and </a:t>
             </a:r>
             <a:r>
-              <a:rPr lang="en-CA" sz="1700" dirty="0" err="1" smtClean="0"/>
+              <a:rPr lang="en-CA" sz="1700" dirty="0" err="1"/>
               <a:t>iOS</a:t>
             </a:r>
             <a:r>
-              <a:rPr lang="en-CA" sz="1700" dirty="0" smtClean="0"/>
+              <a:rPr lang="en-CA" sz="1700" dirty="0"/>
               <a:t>)</a:t>
             </a:r>
           </a:p>
           <a:p>
             <a:pPr lvl="1"/>
             <a:r>
-              <a:rPr lang="en-CA" sz="1700" dirty="0" smtClean="0"/>
+              <a:rPr lang="en-CA" sz="1700" dirty="0"/>
               <a:t>Also Linux</a:t>
             </a:r>
           </a:p>
           <a:p>
             <a:pPr lvl="1"/>
             <a:r>
-              <a:rPr lang="en-CA" sz="1700" dirty="0" smtClean="0"/>
+              <a:rPr lang="en-CA" sz="1700" dirty="0"/>
               <a:t>Also.... Windows (again, ouch!)</a:t>
             </a:r>
           </a:p>
           <a:p>
             <a:pPr lvl="1"/>
-            <a:endParaRPr lang="en-CA" sz="1900" dirty="0" smtClean="0"/>
+            <a:endParaRPr lang="en-CA" sz="1900" dirty="0"/>
           </a:p>
           <a:p>
             <a:pPr lvl="1"/>
-            <a:endParaRPr lang="en-CA" sz="1600" dirty="0" smtClean="0"/>
+            <a:endParaRPr lang="en-CA" sz="1600" dirty="0"/>
           </a:p>
           <a:p>
             <a:pPr>
               <a:buNone/>
             </a:pPr>
-            <a:endParaRPr lang="en-CA" sz="2000" dirty="0" smtClean="0"/>
+            <a:endParaRPr lang="en-CA" sz="2000" dirty="0"/>
           </a:p>
         </p:txBody>
       </p:sp>
@@ -16276,10 +16225,9 @@
               <a:defRPr/>
             </a:pPr>
             <a:r>
-              <a:rPr lang="en-CA" dirty="0" smtClean="0"/>
+              <a:rPr lang="en-CA" dirty="0"/>
               <a:t>The future</a:t>
             </a:r>
-            <a:endParaRPr lang="en-CA" dirty="0"/>
           </a:p>
         </p:txBody>
       </p:sp>
@@ -16306,47 +16254,47 @@
           <a:lstStyle/>
           <a:p>
             <a:r>
-              <a:rPr lang="en-CA" sz="2100" dirty="0" smtClean="0"/>
+              <a:rPr lang="en-CA" sz="2100" dirty="0"/>
               <a:t>OpenGL (and DirectX, pre 12) has a very high “driver overhead”</a:t>
             </a:r>
           </a:p>
           <a:p>
             <a:r>
-              <a:rPr lang="en-CA" sz="2100" dirty="0" smtClean="0"/>
+              <a:rPr lang="en-CA" sz="2100" dirty="0"/>
               <a:t>In other words, the drivers are very complicated. Both OpenGL and DirectX drivers include compilers for their </a:t>
             </a:r>
             <a:r>
-              <a:rPr lang="en-CA" sz="2100" dirty="0" err="1" smtClean="0"/>
+              <a:rPr lang="en-CA" sz="2100" dirty="0" err="1"/>
               <a:t>shaders</a:t>
             </a:r>
             <a:r>
-              <a:rPr lang="en-CA" sz="2100" dirty="0" smtClean="0"/>
+              <a:rPr lang="en-CA" sz="2100" dirty="0"/>
               <a:t> – that’s in addition to doing all the other, you know, “graphics” stuff</a:t>
             </a:r>
           </a:p>
           <a:p>
             <a:r>
-              <a:rPr lang="en-CA" sz="2100" dirty="0" smtClean="0"/>
+              <a:rPr lang="en-CA" sz="2100" dirty="0"/>
               <a:t>There’s a lot of “management” of the graphics card going on</a:t>
             </a:r>
           </a:p>
           <a:p>
             <a:r>
-              <a:rPr lang="en-CA" sz="2100" dirty="0" smtClean="0"/>
+              <a:rPr lang="en-CA" sz="2100" dirty="0"/>
               <a:t>This had two big issues that were becoming unsustainable going forward:</a:t>
             </a:r>
           </a:p>
           <a:p>
             <a:pPr lvl="1"/>
             <a:r>
-              <a:rPr lang="en-CA" sz="1800" dirty="0" smtClean="0"/>
+              <a:rPr lang="en-CA" sz="1800" dirty="0"/>
               <a:t>New cards coming out all the time + new drivers + high complexity = bugs</a:t>
             </a:r>
           </a:p>
           <a:p>
             <a:pPr lvl="1"/>
             <a:r>
-              <a:rPr lang="en-CA" sz="1800" dirty="0" smtClean="0"/>
+              <a:rPr lang="en-CA" sz="1800" dirty="0"/>
               <a:t>Drivers taking longer and longer to process commands</a:t>
             </a:r>
           </a:p>
@@ -16354,17 +16302,17 @@
             <a:pPr>
               <a:buNone/>
             </a:pPr>
-            <a:endParaRPr lang="en-CA" sz="2000" dirty="0" smtClean="0"/>
+            <a:endParaRPr lang="en-CA" sz="2000" dirty="0"/>
           </a:p>
           <a:p>
             <a:pPr lvl="1"/>
-            <a:endParaRPr lang="en-CA" sz="1600" dirty="0" smtClean="0"/>
+            <a:endParaRPr lang="en-CA" sz="1600" dirty="0"/>
           </a:p>
           <a:p>
             <a:pPr>
               <a:buNone/>
             </a:pPr>
-            <a:endParaRPr lang="en-CA" sz="2000" dirty="0" smtClean="0"/>
+            <a:endParaRPr lang="en-CA" sz="2000" dirty="0"/>
           </a:p>
         </p:txBody>
       </p:sp>
@@ -16535,10 +16483,9 @@
               <a:defRPr/>
             </a:pPr>
             <a:r>
-              <a:rPr lang="en-CA" dirty="0" smtClean="0"/>
+              <a:rPr lang="en-CA" dirty="0"/>
               <a:t>The future</a:t>
             </a:r>
-            <a:endParaRPr lang="en-CA" dirty="0"/>
           </a:p>
         </p:txBody>
       </p:sp>
@@ -16565,56 +16512,56 @@
           <a:lstStyle/>
           <a:p>
             <a:r>
-              <a:rPr lang="en-CA" sz="2100" dirty="0" smtClean="0"/>
+              <a:rPr lang="en-CA" sz="2100" dirty="0"/>
               <a:t>Any call from the CPU to the GPU is called a “draw call”</a:t>
             </a:r>
           </a:p>
           <a:p>
             <a:r>
-              <a:rPr lang="en-CA" sz="2100" dirty="0" smtClean="0"/>
+              <a:rPr lang="en-CA" sz="2100" dirty="0"/>
               <a:t>That’s not 100% true, but a good guideline</a:t>
             </a:r>
           </a:p>
           <a:p>
             <a:r>
-              <a:rPr lang="en-CA" sz="2100" dirty="0" smtClean="0"/>
+              <a:rPr lang="en-CA" sz="2100" dirty="0"/>
               <a:t>CPU tells GPU: Create this, draw that, update this, change that, etc. </a:t>
             </a:r>
           </a:p>
           <a:p>
             <a:r>
-              <a:rPr lang="en-CA" sz="2100" dirty="0" smtClean="0"/>
+              <a:rPr lang="en-CA" sz="2100" dirty="0"/>
               <a:t>GPU does the actual “drawing” (or rendering)</a:t>
             </a:r>
           </a:p>
           <a:p>
             <a:r>
-              <a:rPr lang="en-CA" sz="2100" dirty="0" smtClean="0"/>
+              <a:rPr lang="en-CA" sz="2100" dirty="0"/>
               <a:t>The longer the GPU takes to respond to the CPU, the longer these calls take. Ideally, the GPU and CPU should be running mostly independently, the CPU doing non-graphical things, the GPU handling all graphics. </a:t>
             </a:r>
           </a:p>
           <a:p>
             <a:r>
-              <a:rPr lang="en-CA" sz="2100" dirty="0" smtClean="0"/>
+              <a:rPr lang="en-CA" sz="2100" dirty="0"/>
               <a:t>The faster the “draw calls” are, the more you can make</a:t>
             </a:r>
-            <a:endParaRPr lang="en-CA" sz="1400" dirty="0" smtClean="0"/>
+            <a:endParaRPr lang="en-CA" sz="1400" dirty="0"/>
           </a:p>
           <a:p>
             <a:pPr>
               <a:buNone/>
             </a:pPr>
-            <a:endParaRPr lang="en-CA" sz="2000" dirty="0" smtClean="0"/>
+            <a:endParaRPr lang="en-CA" sz="2000" dirty="0"/>
           </a:p>
           <a:p>
             <a:pPr lvl="1"/>
-            <a:endParaRPr lang="en-CA" sz="1600" dirty="0" smtClean="0"/>
+            <a:endParaRPr lang="en-CA" sz="1600" dirty="0"/>
           </a:p>
           <a:p>
             <a:pPr>
               <a:buNone/>
             </a:pPr>
-            <a:endParaRPr lang="en-CA" sz="2000" dirty="0" smtClean="0"/>
+            <a:endParaRPr lang="en-CA" sz="2000" dirty="0"/>
           </a:p>
         </p:txBody>
       </p:sp>
@@ -16785,10 +16732,9 @@
               <a:defRPr/>
             </a:pPr>
             <a:r>
-              <a:rPr lang="en-CA" dirty="0" smtClean="0"/>
+              <a:rPr lang="en-CA" dirty="0"/>
               <a:t>What’s this course all about?</a:t>
             </a:r>
-            <a:endParaRPr lang="en-CA" dirty="0"/>
           </a:p>
         </p:txBody>
       </p:sp>
@@ -16810,101 +16756,101 @@
           <a:lstStyle/>
           <a:p>
             <a:r>
-              <a:rPr lang="en-CA" dirty="0" smtClean="0"/>
+              <a:rPr lang="en-CA" dirty="0"/>
               <a:t>All things </a:t>
             </a:r>
             <a:r>
-              <a:rPr lang="en-CA" dirty="0" err="1" smtClean="0"/>
+              <a:rPr lang="en-CA" dirty="0" err="1"/>
               <a:t>Shader</a:t>
             </a:r>
             <a:r>
-              <a:rPr lang="en-CA" dirty="0" smtClean="0"/>
+              <a:rPr lang="en-CA" dirty="0"/>
               <a:t> (OpenGL 4.x)</a:t>
             </a:r>
           </a:p>
           <a:p>
             <a:r>
-              <a:rPr lang="en-CA" dirty="0" smtClean="0"/>
+              <a:rPr lang="en-CA" dirty="0"/>
               <a:t>Graphics pipeline</a:t>
             </a:r>
           </a:p>
           <a:p>
             <a:r>
-              <a:rPr lang="en-CA" dirty="0" smtClean="0"/>
+              <a:rPr lang="en-CA" dirty="0"/>
               <a:t>Vertices, </a:t>
             </a:r>
             <a:r>
-              <a:rPr lang="en-CA" dirty="0" err="1" smtClean="0"/>
+              <a:rPr lang="en-CA" dirty="0" err="1"/>
               <a:t>Normals</a:t>
             </a:r>
             <a:r>
-              <a:rPr lang="en-CA" dirty="0" smtClean="0"/>
+              <a:rPr lang="en-CA" dirty="0"/>
               <a:t>, bi-tangents, textures, </a:t>
             </a:r>
             <a:r>
-              <a:rPr lang="en-CA" dirty="0" err="1" smtClean="0"/>
+              <a:rPr lang="en-CA" dirty="0" err="1"/>
               <a:t>yadda</a:t>
             </a:r>
             <a:r>
-              <a:rPr lang="en-CA" dirty="0" smtClean="0"/>
+              <a:rPr lang="en-CA" dirty="0"/>
               <a:t>, </a:t>
             </a:r>
             <a:r>
-              <a:rPr lang="en-CA" dirty="0" err="1" smtClean="0"/>
+              <a:rPr lang="en-CA" dirty="0" err="1"/>
               <a:t>yadda</a:t>
             </a:r>
-            <a:endParaRPr lang="en-CA" dirty="0" smtClean="0"/>
-          </a:p>
-          <a:p>
-            <a:r>
-              <a:rPr lang="en-CA" dirty="0" smtClean="0"/>
+            <a:endParaRPr lang="en-CA" dirty="0"/>
+          </a:p>
+          <a:p>
+            <a:r>
+              <a:rPr lang="en-CA" dirty="0"/>
               <a:t>Matrixes and transformations</a:t>
             </a:r>
           </a:p>
           <a:p>
             <a:r>
-              <a:rPr lang="en-CA" dirty="0" smtClean="0"/>
+              <a:rPr lang="en-CA" dirty="0"/>
               <a:t>Lighting</a:t>
             </a:r>
           </a:p>
           <a:p>
             <a:r>
-              <a:rPr lang="en-CA" dirty="0" smtClean="0"/>
+              <a:rPr lang="en-CA" dirty="0"/>
               <a:t>Displaying models</a:t>
             </a:r>
           </a:p>
           <a:p>
             <a:r>
-              <a:rPr lang="en-CA" dirty="0" smtClean="0"/>
+              <a:rPr lang="en-CA" dirty="0"/>
               <a:t>Special effects</a:t>
             </a:r>
           </a:p>
           <a:p>
             <a:r>
-              <a:rPr lang="en-CA" dirty="0" err="1" smtClean="0"/>
+              <a:rPr lang="en-CA" dirty="0" err="1"/>
               <a:t>Shaders</a:t>
             </a:r>
             <a:r>
-              <a:rPr lang="en-CA" dirty="0" smtClean="0"/>
+              <a:rPr lang="en-CA" dirty="0"/>
               <a:t>, lots of </a:t>
             </a:r>
             <a:r>
-              <a:rPr lang="en-CA" dirty="0" err="1" smtClean="0"/>
+              <a:rPr lang="en-CA" dirty="0" err="1"/>
               <a:t>shaders</a:t>
             </a:r>
             <a:r>
-              <a:rPr lang="en-CA" dirty="0" smtClean="0"/>
+              <a:rPr lang="en-CA" dirty="0"/>
               <a:t>…</a:t>
             </a:r>
           </a:p>
           <a:p>
             <a:r>
-              <a:rPr lang="en-CA" dirty="0" smtClean="0"/>
+              <a:rPr lang="en-CA" dirty="0"/>
               <a:t>(Also, C++ and Win32 stuff)</a:t>
             </a:r>
           </a:p>
           <a:p>
-            <a:endParaRPr lang="en-CA" dirty="0" smtClean="0"/>
+            <a:endParaRPr lang="en-CA" dirty="0"/>
           </a:p>
         </p:txBody>
       </p:sp>
@@ -17625,10 +17571,9 @@
               <a:defRPr/>
             </a:pPr>
             <a:r>
-              <a:rPr lang="en-CA" dirty="0" smtClean="0"/>
+              <a:rPr lang="en-CA" dirty="0"/>
               <a:t>The future</a:t>
             </a:r>
-            <a:endParaRPr lang="en-CA" dirty="0"/>
           </a:p>
         </p:txBody>
       </p:sp>
@@ -17655,82 +17600,82 @@
           <a:lstStyle/>
           <a:p>
             <a:r>
-              <a:rPr lang="en-CA" sz="2100" dirty="0" smtClean="0"/>
+              <a:rPr lang="en-CA" sz="2100" dirty="0"/>
               <a:t>One way to speed up calls to the driver is to have the driver to less work, specifically less “overhead” or “management” work, synchronizing memory and other resources, and reducing the number of checks (for errors) that are done</a:t>
             </a:r>
           </a:p>
           <a:p>
             <a:r>
-              <a:rPr lang="en-CA" sz="2100" dirty="0" smtClean="0"/>
+              <a:rPr lang="en-CA" sz="2100" dirty="0"/>
               <a:t>The “down side” of this is that the programmer must deal with a lot of these sorts of things. But that’s the general direction of GPU APIs, anyway (programmable </a:t>
             </a:r>
             <a:r>
-              <a:rPr lang="en-CA" sz="2100" dirty="0" err="1" smtClean="0"/>
+              <a:rPr lang="en-CA" sz="2100" dirty="0" err="1"/>
               <a:t>shaders</a:t>
             </a:r>
             <a:r>
-              <a:rPr lang="en-CA" sz="2100" dirty="0" smtClean="0"/>
+              <a:rPr lang="en-CA" sz="2100" dirty="0"/>
               <a:t>, compute </a:t>
             </a:r>
             <a:r>
-              <a:rPr lang="en-CA" sz="2100" dirty="0" err="1" smtClean="0"/>
+              <a:rPr lang="en-CA" sz="2100" dirty="0" err="1"/>
               <a:t>shaders</a:t>
             </a:r>
             <a:r>
-              <a:rPr lang="en-CA" sz="2100" dirty="0" smtClean="0"/>
+              <a:rPr lang="en-CA" sz="2100" dirty="0"/>
               <a:t>, etc.): more and lower level control to allow for unforeseen uses </a:t>
             </a:r>
           </a:p>
           <a:p>
             <a:r>
-              <a:rPr lang="en-CA" sz="2100" dirty="0" smtClean="0"/>
+              <a:rPr lang="en-CA" sz="2100" dirty="0"/>
               <a:t>AMD introduced an API called “Mantle” </a:t>
             </a:r>
           </a:p>
           <a:p>
             <a:r>
-              <a:rPr lang="en-CA" sz="2100" dirty="0" smtClean="0"/>
+              <a:rPr lang="en-CA" sz="2100" dirty="0"/>
               <a:t>Which inspired the design of DirectX 12, </a:t>
             </a:r>
           </a:p>
           <a:p>
             <a:r>
-              <a:rPr lang="en-CA" sz="2100" dirty="0" smtClean="0"/>
+              <a:rPr lang="en-CA" sz="2100" dirty="0"/>
               <a:t>And was the starting point for “</a:t>
             </a:r>
             <a:r>
-              <a:rPr lang="en-CA" sz="2100" dirty="0" err="1" smtClean="0"/>
+              <a:rPr lang="en-CA" sz="2100" dirty="0" err="1"/>
               <a:t>glNext</a:t>
             </a:r>
             <a:r>
-              <a:rPr lang="en-CA" sz="2100" dirty="0" smtClean="0"/>
+              <a:rPr lang="en-CA" sz="2100" dirty="0"/>
               <a:t>”, which became “</a:t>
             </a:r>
             <a:r>
-              <a:rPr lang="en-CA" sz="2100" dirty="0" err="1" smtClean="0"/>
+              <a:rPr lang="en-CA" sz="2100" dirty="0" err="1"/>
               <a:t>Vulkan</a:t>
             </a:r>
             <a:r>
-              <a:rPr lang="en-CA" sz="2100" dirty="0" smtClean="0"/>
+              <a:rPr lang="en-CA" sz="2100" dirty="0"/>
               <a:t>” </a:t>
             </a:r>
-            <a:endParaRPr lang="en-CA" sz="1800" dirty="0" smtClean="0"/>
+            <a:endParaRPr lang="en-CA" sz="1800" dirty="0"/>
           </a:p>
           <a:p>
             <a:pPr>
               <a:buNone/>
             </a:pPr>
-            <a:endParaRPr lang="en-CA" sz="2000" dirty="0" smtClean="0"/>
+            <a:endParaRPr lang="en-CA" sz="2000" dirty="0"/>
           </a:p>
           <a:p>
             <a:pPr lvl="1"/>
-            <a:endParaRPr lang="en-CA" sz="1600" dirty="0" smtClean="0"/>
+            <a:endParaRPr lang="en-CA" sz="1600" dirty="0"/>
           </a:p>
           <a:p>
             <a:pPr>
               <a:buNone/>
             </a:pPr>
-            <a:endParaRPr lang="en-CA" sz="2000" dirty="0" smtClean="0"/>
+            <a:endParaRPr lang="en-CA" sz="2000" dirty="0"/>
           </a:p>
         </p:txBody>
       </p:sp>
@@ -17901,14 +17846,13 @@
               <a:defRPr/>
             </a:pPr>
             <a:r>
-              <a:rPr lang="en-CA" dirty="0" err="1" smtClean="0"/>
+              <a:rPr lang="en-CA" dirty="0" err="1"/>
               <a:t>Vulkan</a:t>
             </a:r>
             <a:r>
-              <a:rPr lang="en-CA" dirty="0" smtClean="0"/>
+              <a:rPr lang="en-CA" dirty="0"/>
               <a:t> and OpenGL</a:t>
             </a:r>
-            <a:endParaRPr lang="en-CA" dirty="0"/>
           </a:p>
         </p:txBody>
       </p:sp>
@@ -17935,117 +17879,117 @@
           <a:lstStyle/>
           <a:p>
             <a:r>
-              <a:rPr lang="en-CA" sz="2100" dirty="0" smtClean="0"/>
+              <a:rPr lang="en-CA" sz="2100" dirty="0"/>
               <a:t>Note: </a:t>
             </a:r>
             <a:r>
-              <a:rPr lang="en-CA" sz="2100" dirty="0" err="1" smtClean="0"/>
+              <a:rPr lang="en-CA" sz="2100" dirty="0" err="1"/>
               <a:t>Vulkan</a:t>
             </a:r>
             <a:r>
-              <a:rPr lang="en-CA" sz="2100" dirty="0" smtClean="0"/>
+              <a:rPr lang="en-CA" sz="2100" dirty="0"/>
               <a:t> is </a:t>
             </a:r>
             <a:r>
-              <a:rPr lang="en-CA" sz="2100" b="1" u="sng" dirty="0" smtClean="0"/>
+              <a:rPr lang="en-CA" sz="2100" b="1" u="sng" dirty="0"/>
               <a:t>not</a:t>
             </a:r>
             <a:r>
-              <a:rPr lang="en-CA" sz="2100" dirty="0" smtClean="0"/>
+              <a:rPr lang="en-CA" sz="2100" dirty="0"/>
               <a:t> OpenGL, nor is it a “replacement”</a:t>
             </a:r>
-            <a:endParaRPr lang="en-CA" sz="1700" dirty="0" smtClean="0"/>
-          </a:p>
-          <a:p>
-            <a:r>
-              <a:rPr lang="en-CA" sz="2100" dirty="0" smtClean="0"/>
+            <a:endParaRPr lang="en-CA" sz="1700" dirty="0"/>
+          </a:p>
+          <a:p>
+            <a:r>
+              <a:rPr lang="en-CA" sz="2100" dirty="0"/>
               <a:t>In fact, </a:t>
             </a:r>
             <a:r>
-              <a:rPr lang="en-CA" sz="2100" u="sng" dirty="0" smtClean="0"/>
+              <a:rPr lang="en-CA" sz="2100" u="sng" dirty="0"/>
               <a:t>both</a:t>
             </a:r>
             <a:r>
-              <a:rPr lang="en-CA" sz="2100" dirty="0" smtClean="0"/>
+              <a:rPr lang="en-CA" sz="2100" dirty="0"/>
               <a:t> will continue to exist for the foreseeable future: </a:t>
             </a:r>
           </a:p>
           <a:p>
             <a:pPr lvl="1"/>
             <a:r>
-              <a:rPr lang="en-CA" sz="1700" dirty="0" smtClean="0"/>
+              <a:rPr lang="en-CA" sz="1700" dirty="0"/>
               <a:t>OpenGL 4.6 with the only real addition is SPIR V support</a:t>
             </a:r>
           </a:p>
           <a:p>
             <a:r>
-              <a:rPr lang="en-CA" sz="2100" dirty="0" smtClean="0"/>
+              <a:rPr lang="en-CA" sz="2100" dirty="0"/>
               <a:t>Basically, it’s far, </a:t>
             </a:r>
             <a:r>
-              <a:rPr lang="en-CA" sz="2100" i="1" dirty="0" smtClean="0"/>
+              <a:rPr lang="en-CA" sz="2100" i="1" dirty="0"/>
               <a:t>far</a:t>
             </a:r>
             <a:r>
-              <a:rPr lang="en-CA" sz="2100" dirty="0" smtClean="0"/>
+              <a:rPr lang="en-CA" sz="2100" dirty="0"/>
               <a:t> more “low level” than OpenGL, forcing the developer to deal with many, many more details</a:t>
             </a:r>
           </a:p>
           <a:p>
             <a:r>
-              <a:rPr lang="en-CA" sz="2100" dirty="0" smtClean="0"/>
+              <a:rPr lang="en-CA" sz="2100" dirty="0"/>
               <a:t>Like OpenGL (and DirectX), it’s in “C”, not “C++”</a:t>
             </a:r>
           </a:p>
           <a:p>
             <a:r>
-              <a:rPr lang="en-CA" sz="2100" dirty="0" smtClean="0"/>
+              <a:rPr lang="en-CA" sz="2100" dirty="0"/>
               <a:t>And it will have no benefit at all, unless your application is:</a:t>
             </a:r>
           </a:p>
           <a:p>
             <a:pPr lvl="1"/>
             <a:r>
-              <a:rPr lang="en-CA" sz="1700" dirty="0" smtClean="0"/>
+              <a:rPr lang="en-CA" sz="1700" dirty="0"/>
               <a:t>“CPU bound” – i.e. The draw calls from the CPU are what is limiting your performance</a:t>
             </a:r>
           </a:p>
           <a:p>
             <a:pPr lvl="1"/>
             <a:r>
-              <a:rPr lang="en-CA" sz="1700" dirty="0" smtClean="0"/>
+              <a:rPr lang="en-CA" sz="1700" dirty="0"/>
               <a:t>It is heavily multi-threaded. OpenGL doesn’t handle multiple threads. DirectX 11 does, if set up a certain way. </a:t>
             </a:r>
             <a:r>
-              <a:rPr lang="en-CA" sz="1700" dirty="0" err="1" smtClean="0"/>
+              <a:rPr lang="en-CA" sz="1700" dirty="0" err="1"/>
               <a:t>Vulkan</a:t>
             </a:r>
             <a:r>
-              <a:rPr lang="en-CA" sz="1700" dirty="0" smtClean="0"/>
+              <a:rPr lang="en-CA" sz="1700" dirty="0"/>
               <a:t> handles this inherently. Note that this is an aspect of “CPU bound”, in that multiple CPU threads are wanting to make draw calls. </a:t>
             </a:r>
           </a:p>
           <a:p>
-            <a:endParaRPr lang="en-CA" sz="2100" dirty="0" smtClean="0"/>
-          </a:p>
-          <a:p>
-            <a:endParaRPr lang="en-CA" sz="1800" dirty="0" smtClean="0"/>
+            <a:endParaRPr lang="en-CA" sz="2100" dirty="0"/>
+          </a:p>
+          <a:p>
+            <a:endParaRPr lang="en-CA" sz="1800" dirty="0"/>
           </a:p>
           <a:p>
             <a:pPr>
               <a:buNone/>
             </a:pPr>
-            <a:endParaRPr lang="en-CA" sz="2000" dirty="0" smtClean="0"/>
+            <a:endParaRPr lang="en-CA" sz="2000" dirty="0"/>
           </a:p>
           <a:p>
             <a:pPr lvl="1"/>
-            <a:endParaRPr lang="en-CA" sz="1600" dirty="0" smtClean="0"/>
+            <a:endParaRPr lang="en-CA" sz="1600" dirty="0"/>
           </a:p>
           <a:p>
             <a:pPr>
               <a:buNone/>
             </a:pPr>
-            <a:endParaRPr lang="en-CA" sz="2000" dirty="0" smtClean="0"/>
+            <a:endParaRPr lang="en-CA" sz="2000" dirty="0"/>
           </a:p>
         </p:txBody>
       </p:sp>
@@ -18216,14 +18160,13 @@
               <a:defRPr/>
             </a:pPr>
             <a:r>
-              <a:rPr lang="en-CA" dirty="0" err="1" smtClean="0"/>
+              <a:rPr lang="en-CA" dirty="0" err="1"/>
               <a:t>Vulkan</a:t>
             </a:r>
             <a:r>
-              <a:rPr lang="en-CA" dirty="0" smtClean="0"/>
+              <a:rPr lang="en-CA" dirty="0"/>
               <a:t> and DirectX 12</a:t>
             </a:r>
-            <a:endParaRPr lang="en-CA" dirty="0"/>
           </a:p>
         </p:txBody>
       </p:sp>
@@ -18250,42 +18193,42 @@
           <a:lstStyle/>
           <a:p>
             <a:r>
-              <a:rPr lang="en-CA" sz="2100" dirty="0" smtClean="0"/>
+              <a:rPr lang="en-CA" sz="2100" dirty="0"/>
               <a:t>That’s “great” in terms of performance...</a:t>
             </a:r>
           </a:p>
           <a:p>
             <a:r>
-              <a:rPr lang="en-CA" sz="2100" dirty="0" smtClean="0"/>
+              <a:rPr lang="en-CA" sz="2100" dirty="0"/>
               <a:t>...but not so great if you are new to this.</a:t>
             </a:r>
           </a:p>
           <a:p>
             <a:r>
-              <a:rPr lang="en-CA" sz="2100" dirty="0" smtClean="0"/>
+              <a:rPr lang="en-CA" sz="2100" dirty="0"/>
               <a:t>The other thing is that will other technologies and languages are moving towards offering </a:t>
             </a:r>
             <a:r>
-              <a:rPr lang="en-CA" sz="2100" i="1" dirty="0" smtClean="0"/>
+              <a:rPr lang="en-CA" sz="2100" i="1" dirty="0"/>
               <a:t>more </a:t>
             </a:r>
             <a:r>
-              <a:rPr lang="en-CA" sz="2100" dirty="0" smtClean="0"/>
+              <a:rPr lang="en-CA" sz="2100" dirty="0"/>
               <a:t>protection/help to developers, both DirectX 12 and </a:t>
             </a:r>
             <a:r>
-              <a:rPr lang="en-CA" sz="2100" dirty="0" err="1" smtClean="0"/>
+              <a:rPr lang="en-CA" sz="2100" dirty="0" err="1"/>
               <a:t>Vulkan</a:t>
             </a:r>
             <a:r>
-              <a:rPr lang="en-CA" sz="2100" dirty="0" smtClean="0"/>
+              <a:rPr lang="en-CA" sz="2100" dirty="0"/>
               <a:t> are offering less</a:t>
             </a:r>
           </a:p>
           <a:p>
             <a:pPr lvl="1"/>
             <a:r>
-              <a:rPr lang="en-CA" sz="2000" dirty="0" smtClean="0"/>
+              <a:rPr lang="en-CA" sz="2000" dirty="0"/>
               <a:t>A lot less. Like almost none.</a:t>
             </a:r>
           </a:p>
@@ -18300,58 +18243,45 @@
             </a:r>
             <a:r>
               <a:rPr lang="en-CA" sz="2100" dirty="0"/>
-              <a:t> are </a:t>
-            </a:r>
-            <a:r>
-              <a:rPr lang="en-CA" sz="2100" dirty="0" smtClean="0"/>
-              <a:t>as </a:t>
-            </a:r>
+              <a:t> are as unforgiving as C, but even more so. But you want performance, right? </a:t>
+            </a:r>
+          </a:p>
+          <a:p>
+            <a:pPr lvl="1"/>
+            <a:r>
+              <a:rPr lang="en-CA" sz="1700" dirty="0"/>
+              <a:t>They demonstrated </a:t>
+            </a:r>
+            <a:r>
+              <a:rPr lang="en-CA" sz="1700" u="sng" dirty="0"/>
+              <a:t>10x performance</a:t>
+            </a:r>
+            <a:r>
+              <a:rPr lang="en-CA" sz="1700" dirty="0"/>
+              <a:t> on DX11/OpenGL 3.3 hardware at GDC2015.</a:t>
+            </a:r>
+          </a:p>
+          <a:p>
             <a:r>
               <a:rPr lang="en-CA" sz="2100" dirty="0"/>
-              <a:t>unforgiving as C, but even more </a:t>
-            </a:r>
-            <a:r>
-              <a:rPr lang="en-CA" sz="2100" dirty="0" smtClean="0"/>
-              <a:t>so. But you want performance, right? </a:t>
-            </a:r>
-          </a:p>
-          <a:p>
-            <a:pPr lvl="1"/>
-            <a:r>
-              <a:rPr lang="en-CA" sz="1700" dirty="0" smtClean="0"/>
-              <a:t>They demonstrated </a:t>
-            </a:r>
-            <a:r>
-              <a:rPr lang="en-CA" sz="1700" u="sng" dirty="0" smtClean="0"/>
-              <a:t>10x performance</a:t>
-            </a:r>
-            <a:r>
-              <a:rPr lang="en-CA" sz="1700" dirty="0" smtClean="0"/>
-              <a:t> on DX11/OpenGL 3.3 hardware at GDC2015.</a:t>
-            </a:r>
-          </a:p>
-          <a:p>
-            <a:r>
-              <a:rPr lang="en-CA" sz="2100" dirty="0" smtClean="0"/>
               <a:t>*DX 12 actually has two “flavours”, one for C/C++ and one for the “Universal App”, which is sort of like XNA in that it’s (maybe?) simpler and “safer” to use, but it’s also not as powerful. </a:t>
             </a:r>
-            <a:endParaRPr lang="en-CA" sz="2100" dirty="0"/>
           </a:p>
           <a:p>
             <a:pPr>
               <a:buNone/>
             </a:pPr>
-            <a:endParaRPr lang="en-CA" sz="2000" dirty="0" smtClean="0"/>
+            <a:endParaRPr lang="en-CA" sz="2000" dirty="0"/>
           </a:p>
           <a:p>
             <a:pPr lvl="1"/>
-            <a:endParaRPr lang="en-CA" sz="1600" dirty="0" smtClean="0"/>
+            <a:endParaRPr lang="en-CA" sz="1600" dirty="0"/>
           </a:p>
           <a:p>
             <a:pPr>
               <a:buNone/>
             </a:pPr>
-            <a:endParaRPr lang="en-CA" sz="2000" dirty="0" smtClean="0"/>
+            <a:endParaRPr lang="en-CA" sz="2000" dirty="0"/>
           </a:p>
         </p:txBody>
       </p:sp>
@@ -18522,18 +18452,17 @@
               <a:defRPr/>
             </a:pPr>
             <a:r>
-              <a:rPr lang="en-CA" dirty="0" smtClean="0"/>
+              <a:rPr lang="en-CA" dirty="0"/>
               <a:t>But I love Spock? Why not </a:t>
             </a:r>
             <a:r>
-              <a:rPr lang="en-CA" dirty="0" err="1" smtClean="0"/>
+              <a:rPr lang="en-CA" dirty="0" err="1"/>
               <a:t>Vulkan</a:t>
             </a:r>
             <a:r>
-              <a:rPr lang="en-CA" dirty="0" smtClean="0"/>
+              <a:rPr lang="en-CA" dirty="0"/>
               <a:t>?</a:t>
             </a:r>
-            <a:endParaRPr lang="en-CA" dirty="0"/>
           </a:p>
         </p:txBody>
       </p:sp>
@@ -18560,99 +18489,91 @@
           <a:lstStyle/>
           <a:p>
             <a:r>
-              <a:rPr lang="en-CA" sz="2100" dirty="0" smtClean="0"/>
+              <a:rPr lang="en-CA" sz="2100" dirty="0"/>
               <a:t>First off, Spock was from Vulcan, not </a:t>
             </a:r>
             <a:r>
-              <a:rPr lang="en-CA" sz="2100" dirty="0" err="1" smtClean="0"/>
+              <a:rPr lang="en-CA" sz="2100" dirty="0" err="1"/>
               <a:t>Vulkan</a:t>
             </a:r>
             <a:r>
-              <a:rPr lang="en-CA" sz="2100" dirty="0" smtClean="0"/>
+              <a:rPr lang="en-CA" sz="2100" dirty="0"/>
               <a:t>…</a:t>
             </a:r>
           </a:p>
           <a:p>
             <a:r>
-              <a:rPr lang="en-CA" sz="2100" dirty="0" err="1" smtClean="0"/>
+              <a:rPr lang="en-CA" sz="2100" dirty="0" err="1"/>
               <a:t>Vulkan</a:t>
             </a:r>
             <a:r>
-              <a:rPr lang="en-CA" sz="2100" dirty="0" smtClean="0"/>
+              <a:rPr lang="en-CA" sz="2100" dirty="0"/>
               <a:t> is almost certainly inevitable.</a:t>
             </a:r>
           </a:p>
           <a:p>
             <a:r>
-              <a:rPr lang="en-CA" sz="2100" dirty="0" smtClean="0"/>
+              <a:rPr lang="en-CA" sz="2100" dirty="0"/>
               <a:t>Other than the nasty, tedious setup, there are a lot of powerful advantages </a:t>
             </a:r>
             <a:r>
-              <a:rPr lang="en-CA" sz="2100" i="1" dirty="0" smtClean="0"/>
+              <a:rPr lang="en-CA" sz="2100" i="1" dirty="0"/>
               <a:t>as programmers </a:t>
             </a:r>
             <a:r>
-              <a:rPr lang="en-CA" sz="2100" dirty="0" smtClean="0"/>
+              <a:rPr lang="en-CA" sz="2100" dirty="0"/>
               <a:t>to use </a:t>
             </a:r>
             <a:r>
-              <a:rPr lang="en-CA" sz="2100" dirty="0" err="1" smtClean="0"/>
+              <a:rPr lang="en-CA" sz="2100" dirty="0" err="1"/>
               <a:t>Vulkan</a:t>
             </a:r>
             <a:r>
-              <a:rPr lang="en-CA" sz="2100" dirty="0" smtClean="0"/>
+              <a:rPr lang="en-CA" sz="2100" dirty="0"/>
               <a:t>. Note:</a:t>
             </a:r>
           </a:p>
           <a:p>
             <a:pPr lvl="1"/>
             <a:r>
-              <a:rPr lang="en-CA" sz="1700" dirty="0" smtClean="0"/>
-              <a:t>I didn’t say it’s faster or “better”, etc. And </a:t>
-            </a:r>
-            <a:r>
               <a:rPr lang="en-CA" sz="1700" dirty="0"/>
-              <a:t>i</a:t>
-            </a:r>
-            <a:r>
-              <a:rPr lang="en-CA" sz="1700" dirty="0" smtClean="0"/>
-              <a:t>t’s certainly </a:t>
-            </a:r>
-            <a:r>
-              <a:rPr lang="en-CA" sz="1700" i="1" dirty="0" smtClean="0"/>
+              <a:t>I didn’t say it’s faster or “better”, etc. And it’s certainly </a:t>
+            </a:r>
+            <a:r>
+              <a:rPr lang="en-CA" sz="1700" i="1" dirty="0"/>
               <a:t>not</a:t>
             </a:r>
             <a:r>
-              <a:rPr lang="en-CA" sz="1700" dirty="0" smtClean="0"/>
+              <a:rPr lang="en-CA" sz="1700" dirty="0"/>
               <a:t> “easier” to work with, especially at the start, and especially for beginners</a:t>
             </a:r>
           </a:p>
           <a:p>
             <a:pPr lvl="1"/>
             <a:r>
-              <a:rPr lang="en-CA" sz="1700" dirty="0" smtClean="0"/>
+              <a:rPr lang="en-CA" sz="1700" dirty="0"/>
               <a:t>In this course, I can’t see using </a:t>
             </a:r>
             <a:r>
-              <a:rPr lang="en-CA" sz="1700" dirty="0" err="1" smtClean="0"/>
+              <a:rPr lang="en-CA" sz="1700" dirty="0" err="1"/>
               <a:t>Vulkan</a:t>
             </a:r>
             <a:r>
-              <a:rPr lang="en-CA" sz="1700" dirty="0" smtClean="0"/>
+              <a:rPr lang="en-CA" sz="1700" dirty="0"/>
               <a:t> as a performance advantage – it’s exceptionally unlikely that your applications are “CPU bound” or that you aren’t just doing something naive in you code that could be easily fixed.</a:t>
             </a:r>
           </a:p>
           <a:p>
             <a:r>
-              <a:rPr lang="en-CA" sz="2100" dirty="0" smtClean="0"/>
+              <a:rPr lang="en-CA" sz="2100" dirty="0"/>
               <a:t>But I’m hoping to provide parallel </a:t>
             </a:r>
             <a:r>
-              <a:rPr lang="en-CA" sz="2100" dirty="0" err="1" smtClean="0"/>
+              <a:rPr lang="en-CA" sz="2100" dirty="0" err="1"/>
               <a:t>Vulkan</a:t>
             </a:r>
             <a:r>
-              <a:rPr lang="en-CA" sz="2100" dirty="0" smtClean="0"/>
+              <a:rPr lang="en-CA" sz="2100" dirty="0"/>
               <a:t> example code as we go</a:t>
             </a:r>
             <a:endParaRPr lang="en-CA" sz="1700" dirty="0"/>
@@ -18661,17 +18582,17 @@
             <a:pPr>
               <a:buNone/>
             </a:pPr>
-            <a:endParaRPr lang="en-CA" sz="2000" dirty="0" smtClean="0"/>
+            <a:endParaRPr lang="en-CA" sz="2000" dirty="0"/>
           </a:p>
           <a:p>
             <a:pPr lvl="1"/>
-            <a:endParaRPr lang="en-CA" sz="1600" dirty="0" smtClean="0"/>
+            <a:endParaRPr lang="en-CA" sz="1600" dirty="0"/>
           </a:p>
           <a:p>
             <a:pPr>
               <a:buNone/>
             </a:pPr>
-            <a:endParaRPr lang="en-CA" sz="2000" dirty="0" smtClean="0"/>
+            <a:endParaRPr lang="en-CA" sz="2000" dirty="0"/>
           </a:p>
         </p:txBody>
       </p:sp>
@@ -18715,7 +18636,7 @@
     </p:spTree>
     <p:extLst>
       <p:ext uri="{BB962C8B-B14F-4D97-AF65-F5344CB8AC3E}">
-        <p14:creationId xmlns:p14="http://schemas.microsoft.com/office/powerpoint/2010/main" xmlns="" val="425389325"/>
+        <p14:creationId xmlns:p14="http://schemas.microsoft.com/office/powerpoint/2010/main" val="425389325"/>
       </p:ext>
     </p:extLst>
   </p:cSld>
@@ -18847,10 +18768,9 @@
               <a:defRPr/>
             </a:pPr>
             <a:r>
-              <a:rPr lang="en-CA" dirty="0" smtClean="0"/>
+              <a:rPr lang="en-CA" dirty="0"/>
               <a:t>Why this will be challenging</a:t>
             </a:r>
-            <a:endParaRPr lang="en-CA" dirty="0"/>
           </a:p>
         </p:txBody>
       </p:sp>
@@ -18872,80 +18792,80 @@
           <a:lstStyle/>
           <a:p>
             <a:r>
-              <a:rPr lang="en-CA" sz="2100" dirty="0" smtClean="0"/>
+              <a:rPr lang="en-CA" sz="2100" dirty="0"/>
               <a:t>OpenGL 4.x is (somewhat) new</a:t>
             </a:r>
           </a:p>
           <a:p>
             <a:r>
-              <a:rPr lang="en-CA" sz="2100" dirty="0" smtClean="0"/>
+              <a:rPr lang="en-CA" sz="2100" dirty="0"/>
               <a:t>We’ll (well, you) will have to rely on links, example code, and guidance from me (and your own initiative)</a:t>
             </a:r>
           </a:p>
           <a:p>
             <a:r>
-              <a:rPr lang="en-CA" sz="2100" dirty="0" smtClean="0"/>
+              <a:rPr lang="en-CA" sz="2100" dirty="0"/>
               <a:t>It’s sort of “bleeding edge”</a:t>
             </a:r>
           </a:p>
           <a:p>
             <a:r>
-              <a:rPr lang="en-CA" sz="2100" dirty="0" smtClean="0"/>
+              <a:rPr lang="en-CA" sz="2100" dirty="0"/>
               <a:t>It’s using a “C” API, not a “C++” API</a:t>
             </a:r>
           </a:p>
           <a:p>
             <a:pPr lvl="1"/>
             <a:r>
-              <a:rPr lang="en-CA" sz="1800" dirty="0" smtClean="0"/>
+              <a:rPr lang="en-CA" sz="1800" dirty="0"/>
               <a:t>and </a:t>
             </a:r>
             <a:r>
-              <a:rPr lang="en-CA" sz="1800" i="1" dirty="0" smtClean="0"/>
+              <a:rPr lang="en-CA" sz="1800" i="1" dirty="0"/>
               <a:t>certainly</a:t>
             </a:r>
             <a:r>
-              <a:rPr lang="en-CA" sz="1800" dirty="0" smtClean="0"/>
+              <a:rPr lang="en-CA" sz="1800" dirty="0"/>
               <a:t> not C++11 or later</a:t>
             </a:r>
           </a:p>
           <a:p>
             <a:pPr lvl="1"/>
             <a:r>
-              <a:rPr lang="en-CA" sz="1800" dirty="0" smtClean="0"/>
+              <a:rPr lang="en-CA" sz="1800" dirty="0"/>
               <a:t>Meaning that it’s often now what recent students (or recent programmers) are used to with more “modern” languages</a:t>
             </a:r>
           </a:p>
           <a:p>
             <a:pPr lvl="1"/>
             <a:r>
-              <a:rPr lang="en-CA" sz="1800" dirty="0" smtClean="0"/>
+              <a:rPr lang="en-CA" sz="1800" dirty="0"/>
               <a:t>Note that “modern” doesn’t = “better”</a:t>
             </a:r>
           </a:p>
           <a:p>
             <a:pPr lvl="1"/>
             <a:r>
-              <a:rPr lang="en-CA" sz="1800" dirty="0" smtClean="0"/>
+              <a:rPr lang="en-CA" sz="1800" dirty="0"/>
               <a:t>(Remember that Pascal, APL, etc., etc. were all “new” and “the future” at one time... Just saying.)</a:t>
             </a:r>
-            <a:endParaRPr lang="en-CA" sz="1200" dirty="0" smtClean="0"/>
+            <a:endParaRPr lang="en-CA" sz="1200" dirty="0"/>
           </a:p>
           <a:p>
             <a:pPr>
               <a:buNone/>
             </a:pPr>
-            <a:endParaRPr lang="en-CA" sz="2000" dirty="0" smtClean="0"/>
+            <a:endParaRPr lang="en-CA" sz="2000" dirty="0"/>
           </a:p>
           <a:p>
             <a:pPr lvl="1"/>
-            <a:endParaRPr lang="en-CA" sz="1600" dirty="0" smtClean="0"/>
+            <a:endParaRPr lang="en-CA" sz="1600" dirty="0"/>
           </a:p>
           <a:p>
             <a:pPr>
               <a:buNone/>
             </a:pPr>
-            <a:endParaRPr lang="en-CA" sz="2000" dirty="0" smtClean="0"/>
+            <a:endParaRPr lang="en-CA" sz="2000" dirty="0"/>
           </a:p>
         </p:txBody>
       </p:sp>
@@ -19115,10 +19035,9 @@
           <a:lstStyle/>
           <a:p>
             <a:r>
-              <a:rPr lang="en-CA" sz="3600" dirty="0" smtClean="0"/>
+              <a:rPr lang="en-CA" sz="3600" dirty="0"/>
               <a:t>Yeah, yeah, so what’s happening today? (part 1)</a:t>
             </a:r>
-            <a:endParaRPr lang="en-CA" sz="3600" dirty="0"/>
           </a:p>
         </p:txBody>
       </p:sp>
@@ -19140,31 +19059,31 @@
           <a:lstStyle/>
           <a:p>
             <a:r>
-              <a:rPr lang="en-CA" dirty="0" smtClean="0"/>
+              <a:rPr lang="en-CA" dirty="0"/>
               <a:t>The faster we look at OpenGL stuff, the better</a:t>
             </a:r>
           </a:p>
           <a:p>
             <a:r>
-              <a:rPr lang="en-CA" dirty="0" smtClean="0"/>
+              <a:rPr lang="en-CA" dirty="0"/>
               <a:t>However, everything we do in this class will be in C &amp; C++, so we might need a “brush up”</a:t>
             </a:r>
           </a:p>
           <a:p>
             <a:r>
-              <a:rPr lang="en-CA" dirty="0" smtClean="0"/>
+              <a:rPr lang="en-CA" dirty="0"/>
               <a:t>So we’ll do that, maybe? </a:t>
             </a:r>
           </a:p>
           <a:p>
             <a:r>
-              <a:rPr lang="en-CA" dirty="0" smtClean="0"/>
+              <a:rPr lang="en-CA" dirty="0"/>
               <a:t>Or do we do OpenGL – that’s in C/C++, and go from there? </a:t>
             </a:r>
           </a:p>
           <a:p>
             <a:pPr lvl="1"/>
-            <a:endParaRPr lang="en-CA" dirty="0" smtClean="0">
+            <a:endParaRPr lang="en-CA" dirty="0">
               <a:hlinkClick r:id="rId2"/>
             </a:endParaRPr>
           </a:p>
@@ -19213,10 +19132,9 @@
           <a:lstStyle/>
           <a:p>
             <a:r>
-              <a:rPr lang="en-CA" sz="3600" dirty="0" smtClean="0"/>
+              <a:rPr lang="en-CA" sz="3600" dirty="0"/>
               <a:t>Yeah, yeah, so what’s happening today? (part 2)</a:t>
             </a:r>
-            <a:endParaRPr lang="en-CA" sz="3600" dirty="0"/>
           </a:p>
         </p:txBody>
       </p:sp>
@@ -19243,46 +19161,46 @@
           <a:lstStyle/>
           <a:p>
             <a:r>
-              <a:rPr lang="en-CA" dirty="0" smtClean="0"/>
+              <a:rPr lang="en-CA" dirty="0"/>
               <a:t>NOTE: We are using the C++ 98/2003 standard</a:t>
             </a:r>
           </a:p>
           <a:p>
             <a:pPr lvl="1"/>
             <a:r>
-              <a:rPr lang="en-CA" dirty="0" smtClean="0"/>
+              <a:rPr lang="en-CA" dirty="0"/>
               <a:t>A very few things from C++ 11</a:t>
             </a:r>
           </a:p>
           <a:p>
             <a:pPr lvl="1"/>
             <a:r>
-              <a:rPr lang="en-CA" dirty="0" smtClean="0"/>
+              <a:rPr lang="en-CA" dirty="0"/>
               <a:t>And </a:t>
             </a:r>
             <a:r>
-              <a:rPr lang="en-CA" u="sng" dirty="0" smtClean="0"/>
+              <a:rPr lang="en-CA" u="sng" dirty="0"/>
               <a:t>absolutely nothing </a:t>
             </a:r>
             <a:r>
-              <a:rPr lang="en-CA" dirty="0" smtClean="0"/>
+              <a:rPr lang="en-CA" dirty="0"/>
               <a:t>from C++14/17</a:t>
             </a:r>
           </a:p>
           <a:p>
             <a:pPr lvl="1"/>
             <a:r>
-              <a:rPr lang="en-CA" dirty="0" smtClean="0"/>
+              <a:rPr lang="en-CA" dirty="0"/>
               <a:t>The C++ committee (who are all volunteers and have essentially no one from industry) seem determined to turn “C++” into something completely unrecognizable, with virtually everything they’ve added being things no one has asked for. </a:t>
             </a:r>
           </a:p>
           <a:p>
             <a:pPr lvl="1"/>
-            <a:endParaRPr lang="en-CA" dirty="0" smtClean="0"/>
+            <a:endParaRPr lang="en-CA" dirty="0"/>
           </a:p>
           <a:p>
             <a:pPr lvl="1"/>
-            <a:endParaRPr lang="en-CA" dirty="0" smtClean="0">
+            <a:endParaRPr lang="en-CA" dirty="0">
               <a:hlinkClick r:id="rId2"/>
             </a:endParaRPr>
           </a:p>
@@ -19331,10 +19249,9 @@
           <a:lstStyle/>
           <a:p>
             <a:r>
-              <a:rPr lang="en-CA" sz="3600" dirty="0" smtClean="0"/>
+              <a:rPr lang="en-CA" sz="3600" dirty="0"/>
               <a:t>Yeah, yeah, so what’s happening today? (part 3)</a:t>
             </a:r>
-            <a:endParaRPr lang="en-CA" sz="3600" dirty="0"/>
           </a:p>
         </p:txBody>
       </p:sp>
@@ -19361,97 +19278,84 @@
           <a:lstStyle/>
           <a:p>
             <a:r>
-              <a:rPr lang="en-CA" dirty="0" smtClean="0"/>
+              <a:rPr lang="en-CA" dirty="0"/>
               <a:t>The faster we look at OpenGL stuff, the better</a:t>
             </a:r>
           </a:p>
           <a:p>
             <a:pPr lvl="1"/>
             <a:r>
-              <a:rPr lang="en-CA" dirty="0" smtClean="0"/>
+              <a:rPr lang="en-CA" dirty="0"/>
               <a:t>GLFW: </a:t>
             </a:r>
             <a:r>
-              <a:rPr lang="en-CA" dirty="0" smtClean="0">
+              <a:rPr lang="en-CA" dirty="0">
                 <a:hlinkClick r:id="rId2"/>
               </a:rPr>
-              <a:t>http://www.glfw.org</a:t>
-            </a:r>
-            <a:r>
-              <a:rPr lang="en-CA" dirty="0" smtClean="0">
-                <a:hlinkClick r:id="rId2"/>
-              </a:rPr>
-              <a:t>/</a:t>
-            </a:r>
-            <a:endParaRPr lang="en-CA" dirty="0" smtClean="0"/>
+              <a:t>http://www.glfw.org/</a:t>
+            </a:r>
+            <a:endParaRPr lang="en-CA" dirty="0"/>
           </a:p>
           <a:p>
             <a:pPr lvl="2"/>
             <a:r>
-              <a:rPr lang="en-CA" dirty="0" smtClean="0"/>
+              <a:rPr lang="en-CA" dirty="0"/>
               <a:t>Which requires </a:t>
             </a:r>
             <a:r>
-              <a:rPr lang="en-CA" dirty="0" err="1" smtClean="0"/>
+              <a:rPr lang="en-CA" dirty="0" err="1"/>
               <a:t>Cmake</a:t>
             </a:r>
             <a:r>
-              <a:rPr lang="en-CA" dirty="0" smtClean="0"/>
+              <a:rPr lang="en-CA" dirty="0"/>
               <a:t> to generate</a:t>
             </a:r>
-            <a:endParaRPr lang="en-CA" dirty="0" smtClean="0"/>
           </a:p>
           <a:p>
             <a:pPr lvl="1"/>
             <a:r>
-              <a:rPr lang="en-CA" dirty="0" smtClean="0"/>
+              <a:rPr lang="en-CA" dirty="0"/>
               <a:t>glad (OpenGL loading library): </a:t>
             </a:r>
             <a:r>
-              <a:rPr lang="en-CA" dirty="0" smtClean="0">
+              <a:rPr lang="en-CA" dirty="0">
                 <a:hlinkClick r:id="rId3"/>
               </a:rPr>
               <a:t>http://glad.dav1d.de/</a:t>
             </a:r>
             <a:r>
-              <a:rPr lang="en-CA" dirty="0" smtClean="0"/>
+              <a:rPr lang="en-CA" dirty="0"/>
               <a:t> </a:t>
             </a:r>
           </a:p>
           <a:p>
             <a:pPr lvl="1"/>
             <a:r>
-              <a:rPr lang="en-CA" dirty="0" smtClean="0"/>
+              <a:rPr lang="en-CA" dirty="0"/>
               <a:t>OpenGL Math (</a:t>
             </a:r>
             <a:r>
-              <a:rPr lang="en-CA" dirty="0" err="1" smtClean="0"/>
+              <a:rPr lang="en-CA" dirty="0" err="1"/>
               <a:t>glm</a:t>
             </a:r>
             <a:r>
-              <a:rPr lang="en-CA" dirty="0" smtClean="0"/>
+              <a:rPr lang="en-CA" dirty="0"/>
               <a:t>): </a:t>
             </a:r>
             <a:r>
               <a:rPr lang="en-CA" dirty="0">
                 <a:hlinkClick r:id="rId4"/>
               </a:rPr>
-              <a:t>https://</a:t>
-            </a:r>
-            <a:r>
-              <a:rPr lang="en-CA" dirty="0" smtClean="0">
-                <a:hlinkClick r:id="rId4"/>
-              </a:rPr>
-              <a:t>github.com/g-truc/glm/tags</a:t>
-            </a:r>
-            <a:r>
-              <a:rPr lang="en-CA" dirty="0" smtClean="0"/>
+              <a:t>https://github.com/g-truc/glm/tags</a:t>
+            </a:r>
+            <a:r>
+              <a:rPr lang="en-CA" dirty="0"/>
               <a:t> </a:t>
             </a:r>
           </a:p>
           <a:p>
             <a:pPr lvl="1"/>
-            <a:endParaRPr lang="en-CA" dirty="0" smtClean="0">
+            <a:endParaRPr lang="en-CA" dirty="0">
               <a:hlinkClick r:id="rId2"/>
             </a:endParaRPr>
           </a:p>
@@ -19500,111 +19404,158 @@
         </p:spPr>
         <p:txBody>
           <a:bodyPr>
-            <a:normAutofit fontScale="77500" lnSpcReduction="20000"/>
+            <a:normAutofit fontScale="62500" lnSpcReduction="20000"/>
           </a:bodyPr>
           <a:lstStyle/>
           <a:p>
             <a:r>
-              <a:rPr lang="en-CA" sz="3600" b="1" dirty="0" smtClean="0"/>
+              <a:rPr lang="en-CA" sz="3600" b="1" dirty="0"/>
               <a:t>GLFW</a:t>
             </a:r>
             <a:r>
-              <a:rPr lang="en-CA" dirty="0" smtClean="0"/>
-              <a:t>: </a:t>
-            </a:r>
-            <a:r>
-              <a:rPr lang="en-CA" dirty="0" smtClean="0"/>
-              <a:t>slightly abstracts the OS (operating system) calls for OpenGL, so handles: creating windows, where OpenGL draws, mouse, keyboard, etc. </a:t>
+              <a:rPr lang="en-CA" dirty="0"/>
+              <a:t>: slightly abstracts the OS (operating system) calls for OpenGL, so handles: creating windows, where OpenGL draws, mouse, keyboard, etc. </a:t>
             </a:r>
           </a:p>
           <a:p>
             <a:pPr lvl="1"/>
             <a:r>
-              <a:rPr lang="en-CA" dirty="0" smtClean="0"/>
+              <a:rPr lang="en-CA" dirty="0"/>
               <a:t>OpenGL doesn’t care about the OS at all.</a:t>
             </a:r>
           </a:p>
           <a:p>
-            <a:r>
-              <a:rPr lang="en-CA" sz="3600" b="1" dirty="0" smtClean="0"/>
+            <a:pPr lvl="1"/>
+            <a:r>
+              <a:rPr lang="en-CA" dirty="0">
+                <a:hlinkClick r:id="rId2"/>
+              </a:rPr>
+              <a:t>https://www.glfw.org/</a:t>
+            </a:r>
+            <a:r>
+              <a:rPr lang="en-CA" dirty="0"/>
+              <a:t> (need </a:t>
+            </a:r>
+            <a:r>
+              <a:rPr lang="en-CA" dirty="0" err="1"/>
+              <a:t>CMake</a:t>
+            </a:r>
+            <a:r>
+              <a:rPr lang="en-CA" dirty="0"/>
+              <a:t> to build it)</a:t>
+            </a:r>
+          </a:p>
+          <a:p>
+            <a:pPr lvl="1"/>
+            <a:r>
+              <a:rPr lang="en-CA" dirty="0"/>
+              <a:t>We’ll use the very simple starting code to start</a:t>
+            </a:r>
+          </a:p>
+          <a:p>
+            <a:r>
+              <a:rPr lang="en-CA" sz="3600" b="1" dirty="0"/>
               <a:t>glad</a:t>
             </a:r>
             <a:r>
-              <a:rPr lang="en-CA" dirty="0" smtClean="0"/>
+              <a:rPr lang="en-CA" dirty="0"/>
               <a:t>: Allows dynamic connection to the OpenGL calls, sort of like a library or DLL, but instead calls are made </a:t>
             </a:r>
             <a:r>
-              <a:rPr lang="en-CA" i="1" dirty="0" smtClean="0"/>
+              <a:rPr lang="en-CA" i="1" dirty="0"/>
               <a:t>at run time </a:t>
             </a:r>
             <a:r>
-              <a:rPr lang="en-CA" dirty="0" smtClean="0"/>
+              <a:rPr lang="en-CA" dirty="0"/>
               <a:t>and routed. In Win32, these call </a:t>
             </a:r>
             <a:r>
-              <a:rPr lang="en-CA" dirty="0" err="1" smtClean="0"/>
+              <a:rPr lang="en-CA" dirty="0" err="1"/>
               <a:t>GetProcAddress</a:t>
             </a:r>
             <a:r>
-              <a:rPr lang="en-CA" dirty="0" smtClean="0"/>
+              <a:rPr lang="en-CA" dirty="0"/>
               <a:t>() for </a:t>
             </a:r>
             <a:r>
-              <a:rPr lang="en-CA" i="1" dirty="0" smtClean="0"/>
+              <a:rPr lang="en-CA" i="1" dirty="0"/>
               <a:t>every </a:t>
             </a:r>
             <a:r>
-              <a:rPr lang="en-CA" dirty="0" smtClean="0"/>
+              <a:rPr lang="en-CA" dirty="0"/>
               <a:t>call. </a:t>
             </a:r>
-            <a:endParaRPr lang="en-CA" dirty="0" smtClean="0"/>
-          </a:p>
-          <a:p>
-            <a:r>
-              <a:rPr lang="en-CA" sz="3600" b="1" dirty="0" smtClean="0"/>
-              <a:t>OpenGL </a:t>
-            </a:r>
-            <a:r>
-              <a:rPr lang="en-CA" sz="3600" b="1" dirty="0" smtClean="0"/>
-              <a:t>Math (</a:t>
-            </a:r>
-            <a:r>
-              <a:rPr lang="en-CA" sz="3600" b="1" dirty="0" err="1" smtClean="0"/>
+          </a:p>
+          <a:p>
+            <a:pPr lvl="1"/>
+            <a:r>
+              <a:rPr lang="en-CA" dirty="0">
+                <a:hlinkClick r:id="rId3"/>
+              </a:rPr>
+              <a:t>https://glad.dav1d.</a:t>
+            </a:r>
+            <a:r>
+              <a:rPr lang="en-CA">
+                <a:hlinkClick r:id="rId3"/>
+              </a:rPr>
+              <a:t>de/</a:t>
+            </a:r>
+            <a:r>
+              <a:rPr lang="en-CA"/>
+              <a:t> </a:t>
+            </a:r>
+            <a:endParaRPr lang="en-CA" dirty="0"/>
+          </a:p>
+          <a:p>
+            <a:r>
+              <a:rPr lang="en-CA" sz="3600" b="1" dirty="0"/>
+              <a:t>OpenGL Math (</a:t>
+            </a:r>
+            <a:r>
+              <a:rPr lang="en-CA" sz="3600" b="1" dirty="0" err="1"/>
               <a:t>glm</a:t>
             </a:r>
             <a:r>
-              <a:rPr lang="en-CA" sz="3600" b="1" dirty="0" smtClean="0"/>
+              <a:rPr lang="en-CA" sz="3600" b="1" dirty="0"/>
               <a:t>)</a:t>
             </a:r>
             <a:r>
-              <a:rPr lang="en-CA" dirty="0" smtClean="0"/>
-              <a:t>: </a:t>
-            </a:r>
-            <a:r>
-              <a:rPr lang="en-CA" dirty="0" smtClean="0"/>
-              <a:t>A math library written to mimic the GSLS (</a:t>
-            </a:r>
-            <a:r>
-              <a:rPr lang="en-CA" dirty="0" err="1" smtClean="0"/>
+              <a:rPr lang="en-CA" dirty="0"/>
+              <a:t>: A math library written to mimic the GSLS (</a:t>
+            </a:r>
+            <a:r>
+              <a:rPr lang="en-CA" dirty="0" err="1"/>
               <a:t>shader</a:t>
             </a:r>
             <a:r>
-              <a:rPr lang="en-CA" dirty="0" smtClean="0"/>
+              <a:rPr lang="en-CA" dirty="0"/>
               <a:t>) language of OpenGL. Handles a lot of key math items (so we don’t have to “re-invent the wheel”). Has become the “go to” math library standard. </a:t>
             </a:r>
           </a:p>
           <a:p>
             <a:pPr lvl="1"/>
             <a:r>
-              <a:rPr lang="en-CA" dirty="0" smtClean="0"/>
+              <a:rPr lang="en-CA" dirty="0"/>
               <a:t>OpenGL doesn’t have a math library – it expects you to handle this.</a:t>
             </a:r>
-            <a:endParaRPr lang="en-CA" dirty="0" smtClean="0"/>
           </a:p>
           <a:p>
             <a:pPr lvl="1"/>
-            <a:endParaRPr lang="en-CA" dirty="0" smtClean="0">
-              <a:hlinkClick r:id="rId2"/>
+            <a:r>
+              <a:rPr lang="en-CA" dirty="0">
+                <a:hlinkClick r:id="rId4"/>
+              </a:rPr>
+              <a:t>https://glm.g-truc.net/0.9.9/</a:t>
+            </a:r>
+            <a:r>
+              <a:rPr lang="en-CA" dirty="0"/>
+              <a:t> </a:t>
+            </a:r>
+          </a:p>
+          <a:p>
+            <a:pPr lvl="1"/>
+            <a:endParaRPr lang="en-CA" dirty="0">
+              <a:hlinkClick r:id="rId5"/>
             </a:endParaRPr>
           </a:p>
         </p:txBody>
@@ -19699,17 +19650,16 @@
           <a:p>
             <a:pPr algn="ctr"/>
             <a:r>
-              <a:rPr lang="en-CA" sz="2400" dirty="0" smtClean="0"/>
+              <a:rPr lang="en-CA" sz="2400" dirty="0"/>
               <a:t>And remember, have fun.</a:t>
             </a:r>
           </a:p>
           <a:p>
             <a:pPr algn="ctr"/>
             <a:r>
-              <a:rPr lang="en-CA" sz="2400" dirty="0" smtClean="0"/>
+              <a:rPr lang="en-CA" sz="2400" dirty="0"/>
               <a:t>Now get to work.</a:t>
             </a:r>
-            <a:endParaRPr lang="en-CA" sz="2400" dirty="0"/>
           </a:p>
         </p:txBody>
       </p:sp>
@@ -19718,13 +19668,6 @@
   <p:clrMapOvr>
     <a:masterClrMapping/>
   </p:clrMapOvr>
-  <p:timing>
-    <p:tnLst>
-      <p:par>
-        <p:cTn id="1" dur="indefinite" restart="never" nodeType="tmRoot"/>
-      </p:par>
-    </p:tnLst>
-  </p:timing>
 </p:sld>
 </file>
 
@@ -19769,10 +19712,9 @@
               <a:defRPr/>
             </a:pPr>
             <a:r>
-              <a:rPr lang="en-CA" dirty="0" smtClean="0"/>
+              <a:rPr lang="en-CA" dirty="0"/>
               <a:t>Text books:</a:t>
             </a:r>
-            <a:endParaRPr lang="en-CA" dirty="0"/>
           </a:p>
         </p:txBody>
       </p:sp>
@@ -19799,113 +19741,108 @@
           <a:lstStyle/>
           <a:p>
             <a:r>
-              <a:rPr lang="en-CA" sz="2600" dirty="0" smtClean="0"/>
+              <a:rPr lang="en-CA" sz="2600" dirty="0"/>
               <a:t>The definitive source is </a:t>
             </a:r>
             <a:r>
-              <a:rPr lang="en-CA" sz="2600" dirty="0" smtClean="0">
+              <a:rPr lang="en-CA" sz="2600" dirty="0">
                 <a:hlinkClick r:id="rId2"/>
               </a:rPr>
               <a:t>www.opengl.org</a:t>
             </a:r>
             <a:r>
-              <a:rPr lang="en-CA" sz="2600" dirty="0" smtClean="0"/>
+              <a:rPr lang="en-CA" sz="2600" dirty="0"/>
               <a:t> (though this is an OpenGL reference, not a “learn OpenGL” sort of thing. Certainly </a:t>
             </a:r>
             <a:r>
-              <a:rPr lang="en-CA" sz="2600" i="1" u="sng" dirty="0" smtClean="0"/>
+              <a:rPr lang="en-CA" sz="2600" i="1" u="sng" dirty="0"/>
               <a:t>not</a:t>
             </a:r>
             <a:r>
-              <a:rPr lang="en-CA" sz="2600" dirty="0" smtClean="0"/>
+              <a:rPr lang="en-CA" sz="2600" dirty="0"/>
               <a:t> a “learn 3D graphics” site...)</a:t>
             </a:r>
-            <a:endParaRPr lang="en-CA" sz="2300" dirty="0" smtClean="0"/>
-          </a:p>
-          <a:p>
-            <a:r>
-              <a:rPr lang="en-CA" sz="2600" b="1" dirty="0" smtClean="0"/>
+            <a:endParaRPr lang="en-CA" sz="2300" dirty="0"/>
+          </a:p>
+          <a:p>
+            <a:r>
+              <a:rPr lang="en-CA" sz="2600" b="1" dirty="0"/>
               <a:t>OpenGL </a:t>
             </a:r>
             <a:r>
-              <a:rPr lang="en-CA" sz="2600" b="1" dirty="0" err="1" smtClean="0"/>
+              <a:rPr lang="en-CA" sz="2600" b="1" dirty="0" err="1"/>
               <a:t>SuperBible</a:t>
             </a:r>
             <a:r>
-              <a:rPr lang="en-CA" sz="2600" b="1" dirty="0" smtClean="0"/>
+              <a:rPr lang="en-CA" sz="2600" b="1" dirty="0"/>
               <a:t>: Comprehensive Tutorial and Reference</a:t>
             </a:r>
             <a:r>
-              <a:rPr lang="en-CA" sz="2600" dirty="0" smtClean="0"/>
+              <a:rPr lang="en-CA" sz="2600" dirty="0"/>
               <a:t>, by Graham Sellers, Addison-Wesley Professional, either 6th or 7th edition:</a:t>
             </a:r>
           </a:p>
           <a:p>
             <a:pPr lvl="1"/>
             <a:r>
-              <a:rPr lang="en-CA" sz="2200" dirty="0" smtClean="0"/>
+              <a:rPr lang="en-CA" sz="2200" dirty="0"/>
               <a:t>6th Edition (July 21 2013), ISBN-10: 0321902947, ISBN-13: 978-0321902948</a:t>
             </a:r>
           </a:p>
           <a:p>
             <a:pPr lvl="1"/>
             <a:r>
-              <a:rPr lang="en-CA" sz="2200" dirty="0" smtClean="0"/>
+              <a:rPr lang="en-CA" sz="2200" dirty="0"/>
               <a:t>7th Edition (July 21, 2015), ISBN-10: 0672337479, ISBN-13: 978-0672337475 (OpenGL 4.5)</a:t>
             </a:r>
           </a:p>
           <a:p>
             <a:r>
-              <a:rPr lang="en-CA" sz="2600" b="1" dirty="0" smtClean="0"/>
+              <a:rPr lang="en-CA" sz="2600" b="1" dirty="0"/>
               <a:t>Anton's OpenGL 4 Tutorials</a:t>
             </a:r>
             <a:r>
-              <a:rPr lang="en-CA" sz="2600" dirty="0" smtClean="0"/>
+              <a:rPr lang="en-CA" sz="2600" dirty="0"/>
               <a:t>: </a:t>
             </a:r>
             <a:r>
-              <a:rPr lang="en-CA" sz="2600" dirty="0" smtClean="0">
+              <a:rPr lang="en-CA" sz="2600" dirty="0">
                 <a:hlinkClick r:id="rId3"/>
               </a:rPr>
               <a:t>http://antongerdelan.net/opengl/</a:t>
             </a:r>
             <a:r>
-              <a:rPr lang="en-CA" sz="2600" dirty="0" smtClean="0"/>
+              <a:rPr lang="en-CA" sz="2600" dirty="0"/>
               <a:t> (which is now an e-book – the cheapest one for sure!)</a:t>
             </a:r>
           </a:p>
           <a:p>
             <a:r>
-              <a:rPr lang="en-CA" sz="2600" dirty="0" smtClean="0"/>
+              <a:rPr lang="en-CA" sz="2600" dirty="0"/>
               <a:t>OpenGL Programming Guide: The Official Guide to Learning OpenGL</a:t>
             </a:r>
           </a:p>
           <a:p>
             <a:pPr lvl="1"/>
             <a:r>
-              <a:rPr lang="en-CA" sz="2200" dirty="0" smtClean="0"/>
+              <a:rPr lang="en-CA" sz="2200" dirty="0"/>
               <a:t>8th Edition (Mar 20, 2013), ISBN-10: 0321773039, ISBN-13: 978-0321773036   (OpenGL 4.4)</a:t>
             </a:r>
           </a:p>
           <a:p>
             <a:pPr lvl="1"/>
             <a:r>
-              <a:rPr lang="en-CA" sz="2200" dirty="0" smtClean="0"/>
+              <a:rPr lang="en-CA" sz="2200" dirty="0"/>
               <a:t>9</a:t>
             </a:r>
             <a:r>
-              <a:rPr lang="en-CA" sz="2200" baseline="30000" dirty="0" smtClean="0"/>
+              <a:rPr lang="en-CA" sz="2200" baseline="30000" dirty="0"/>
               <a:t>th</a:t>
             </a:r>
             <a:r>
-              <a:rPr lang="en-CA" sz="2200" dirty="0" smtClean="0"/>
-              <a:t> Edition (July 8, 2016), ISBN-10: 0134495497, ISBN-13: 978-0134495491 (OpenGL 4.5</a:t>
-            </a:r>
-            <a:r>
-              <a:rPr lang="en-CA" sz="2200" dirty="0" smtClean="0"/>
-              <a:t>)</a:t>
-            </a:r>
-            <a:endParaRPr lang="en-CA" sz="2200" dirty="0" smtClean="0"/>
+              <a:rPr lang="en-CA" sz="2200" dirty="0"/>
+              <a:t> Edition (July 8, 2016), ISBN-10: 0134495497, ISBN-13: 978-0134495491 (OpenGL 4.5)</a:t>
+            </a:r>
           </a:p>
         </p:txBody>
       </p:sp>
@@ -20525,10 +20462,9 @@
               <a:defRPr/>
             </a:pPr>
             <a:r>
-              <a:rPr lang="en-CA" dirty="0" smtClean="0"/>
+              <a:rPr lang="en-CA" dirty="0"/>
               <a:t>Other good books</a:t>
             </a:r>
-            <a:endParaRPr lang="en-CA" dirty="0"/>
           </a:p>
         </p:txBody>
       </p:sp>
@@ -20550,187 +20486,187 @@
           <a:lstStyle/>
           <a:p>
             <a:r>
-              <a:rPr lang="en-CA" sz="1600" dirty="0" smtClean="0"/>
+              <a:rPr lang="en-CA" sz="1600" dirty="0"/>
               <a:t>Tomas </a:t>
             </a:r>
             <a:r>
-              <a:rPr lang="en-CA" sz="1600" dirty="0" err="1" smtClean="0"/>
+              <a:rPr lang="en-CA" sz="1600" dirty="0" err="1"/>
               <a:t>Akenine-Moller</a:t>
             </a:r>
             <a:r>
-              <a:rPr lang="en-CA" sz="1600" dirty="0" smtClean="0"/>
+              <a:rPr lang="en-CA" sz="1600" dirty="0"/>
               <a:t>, Eric Haines, and </a:t>
             </a:r>
             <a:r>
-              <a:rPr lang="en-CA" sz="1600" dirty="0" err="1" smtClean="0"/>
+              <a:rPr lang="en-CA" sz="1600" dirty="0" err="1"/>
               <a:t>Naty</a:t>
             </a:r>
             <a:r>
-              <a:rPr lang="en-CA" sz="1600" dirty="0" smtClean="0"/>
+              <a:rPr lang="en-CA" sz="1600" dirty="0"/>
               <a:t> Hoffman, </a:t>
             </a:r>
             <a:r>
-              <a:rPr lang="en-CA" sz="1600" b="1" dirty="0" smtClean="0"/>
+              <a:rPr lang="en-CA" sz="1600" b="1" dirty="0"/>
               <a:t>Real-Time Rendering, 3rd Edition</a:t>
             </a:r>
             <a:r>
-              <a:rPr lang="en-CA" sz="1600" dirty="0" smtClean="0"/>
+              <a:rPr lang="en-CA" sz="1600" dirty="0"/>
               <a:t>, AK Peters, 2008, ISBN-10: 1568814240, ISBN-13: 978-1568814247</a:t>
             </a:r>
           </a:p>
           <a:p>
             <a:r>
-              <a:rPr lang="en-CA" sz="1600" b="1" dirty="0" smtClean="0"/>
+              <a:rPr lang="en-CA" sz="1600" b="1" dirty="0"/>
               <a:t>Graphics Shaders: Theory and Practice</a:t>
             </a:r>
             <a:r>
-              <a:rPr lang="en-CA" sz="1600" dirty="0" smtClean="0"/>
+              <a:rPr lang="en-CA" sz="1600" dirty="0"/>
               <a:t>, 2nd Edition (1</a:t>
             </a:r>
             <a:r>
-              <a:rPr lang="en-CA" sz="1600" baseline="30000" dirty="0" smtClean="0"/>
+              <a:rPr lang="en-CA" sz="1600" baseline="30000" dirty="0"/>
               <a:t>st</a:t>
             </a:r>
             <a:r>
-              <a:rPr lang="en-CA" sz="1600" dirty="0" smtClean="0"/>
+              <a:rPr lang="en-CA" sz="1600" dirty="0"/>
               <a:t> is great, too), by Mike Bailey et al, A K Peters/CRC Press (2011), ISBN-10: 1568814348, ISBN-13: 978-1568814346</a:t>
             </a:r>
           </a:p>
           <a:p>
             <a:r>
-              <a:rPr lang="en-CA" sz="1600" dirty="0" err="1" smtClean="0"/>
+              <a:rPr lang="en-CA" sz="1600" dirty="0" err="1"/>
               <a:t>Randima</a:t>
             </a:r>
             <a:r>
-              <a:rPr lang="en-CA" sz="1600" dirty="0" smtClean="0"/>
+              <a:rPr lang="en-CA" sz="1600" dirty="0"/>
               <a:t> Fernando, </a:t>
             </a:r>
             <a:r>
-              <a:rPr lang="en-CA" sz="1600" b="1" dirty="0" smtClean="0"/>
+              <a:rPr lang="en-CA" sz="1600" b="1" dirty="0"/>
               <a:t>GPU Gems: Programming Techniques, Tips and Tricks for Real-Time Graphics</a:t>
             </a:r>
             <a:r>
-              <a:rPr lang="en-CA" sz="1600" dirty="0" smtClean="0"/>
+              <a:rPr lang="en-CA" sz="1600" dirty="0"/>
               <a:t>, Addison-Wesley Professional, 2004, ISBN-10: 321228324, ISBN-13: 978-0321228321 (Note: Available as a free e-book from </a:t>
             </a:r>
             <a:r>
-              <a:rPr lang="en-CA" sz="1600" dirty="0" smtClean="0">
+              <a:rPr lang="en-CA" sz="1600" dirty="0">
                 <a:hlinkClick r:id="rId2"/>
               </a:rPr>
               <a:t>www.nVidia.com</a:t>
             </a:r>
             <a:r>
-              <a:rPr lang="en-CA" sz="1600" dirty="0" smtClean="0"/>
+              <a:rPr lang="en-CA" sz="1600" dirty="0"/>
               <a:t>)</a:t>
             </a:r>
           </a:p>
           <a:p>
             <a:r>
-              <a:rPr lang="en-CA" sz="1600" dirty="0" smtClean="0"/>
+              <a:rPr lang="en-CA" sz="1600" dirty="0"/>
               <a:t>Matt Pharr, </a:t>
             </a:r>
             <a:r>
-              <a:rPr lang="en-CA" sz="1600" dirty="0" err="1" smtClean="0"/>
+              <a:rPr lang="en-CA" sz="1600" dirty="0" err="1"/>
               <a:t>Randima</a:t>
             </a:r>
             <a:r>
-              <a:rPr lang="en-CA" sz="1600" dirty="0" smtClean="0"/>
+              <a:rPr lang="en-CA" sz="1600" dirty="0"/>
               <a:t> Fernando, </a:t>
             </a:r>
             <a:r>
-              <a:rPr lang="en-CA" sz="1600" b="1" dirty="0" smtClean="0"/>
+              <a:rPr lang="en-CA" sz="1600" b="1" dirty="0"/>
               <a:t>GPU Gems 2: Programming Techniques for High-Performance Graphics and General-Purpose Computation</a:t>
             </a:r>
             <a:r>
-              <a:rPr lang="en-CA" sz="1600" dirty="0" smtClean="0"/>
+              <a:rPr lang="en-CA" sz="1600" dirty="0"/>
               <a:t>, Addison-Wesley Professional, 2005, ISBN-10: 321335597, ISBN-13: 978-0321335593 (Note: Available as a free e-book from </a:t>
             </a:r>
             <a:r>
-              <a:rPr lang="en-CA" sz="1600" dirty="0" smtClean="0">
+              <a:rPr lang="en-CA" sz="1600" dirty="0">
                 <a:hlinkClick r:id="rId2"/>
               </a:rPr>
               <a:t>www.nVidia.com</a:t>
             </a:r>
             <a:r>
-              <a:rPr lang="en-CA" sz="1600" dirty="0" smtClean="0"/>
+              <a:rPr lang="en-CA" sz="1600" dirty="0"/>
               <a:t>)</a:t>
             </a:r>
           </a:p>
           <a:p>
             <a:r>
-              <a:rPr lang="en-CA" sz="1600" dirty="0" smtClean="0"/>
+              <a:rPr lang="en-CA" sz="1600" dirty="0"/>
               <a:t>Hubert Nguyen, </a:t>
             </a:r>
             <a:r>
-              <a:rPr lang="en-CA" sz="1600" b="1" dirty="0" smtClean="0"/>
+              <a:rPr lang="en-CA" sz="1600" b="1" dirty="0"/>
               <a:t>GPU Gems 3</a:t>
             </a:r>
             <a:r>
-              <a:rPr lang="en-CA" sz="1600" dirty="0" smtClean="0"/>
+              <a:rPr lang="en-CA" sz="1600" dirty="0"/>
               <a:t>, Addison-Wesley Professional, 2007, ISBN-10: 0321515269, ISBN-13: 978-0321515261 (Note: Available as a free e-book from </a:t>
             </a:r>
             <a:r>
-              <a:rPr lang="en-CA" sz="1600" dirty="0" smtClean="0">
+              <a:rPr lang="en-CA" sz="1600" dirty="0">
                 <a:hlinkClick r:id="rId2"/>
               </a:rPr>
               <a:t>www.nVidia.com</a:t>
             </a:r>
             <a:r>
-              <a:rPr lang="en-CA" sz="1600" dirty="0" smtClean="0"/>
+              <a:rPr lang="en-CA" sz="1600" dirty="0"/>
               <a:t>)</a:t>
             </a:r>
           </a:p>
           <a:p>
             <a:r>
-              <a:rPr lang="en-CA" sz="1600" dirty="0" smtClean="0"/>
+              <a:rPr lang="en-CA" sz="1600" dirty="0"/>
               <a:t>Any of the “</a:t>
             </a:r>
             <a:r>
-              <a:rPr lang="en-CA" sz="1600" b="1" dirty="0" err="1" smtClean="0"/>
+              <a:rPr lang="en-CA" sz="1600" b="1" dirty="0" err="1"/>
               <a:t>ShaderX</a:t>
             </a:r>
             <a:r>
-              <a:rPr lang="en-CA" sz="1600" dirty="0" smtClean="0"/>
+              <a:rPr lang="en-CA" sz="1600" dirty="0"/>
               <a:t>” books. </a:t>
             </a:r>
           </a:p>
           <a:p>
             <a:r>
-              <a:rPr lang="en-CA" sz="1600" dirty="0" err="1" smtClean="0"/>
+              <a:rPr lang="en-CA" sz="1600" dirty="0" err="1"/>
               <a:t>Sebastien</a:t>
             </a:r>
             <a:r>
-              <a:rPr lang="en-CA" sz="1600" dirty="0" smtClean="0"/>
+              <a:rPr lang="en-CA" sz="1600" dirty="0"/>
               <a:t> St-Laurent, </a:t>
             </a:r>
             <a:r>
-              <a:rPr lang="en-CA" sz="1600" b="1" dirty="0" smtClean="0"/>
+              <a:rPr lang="en-CA" sz="1600" b="1" dirty="0"/>
               <a:t>Shaders for Game Programmers and Artists</a:t>
             </a:r>
             <a:r>
-              <a:rPr lang="en-CA" sz="1600" dirty="0" smtClean="0"/>
+              <a:rPr lang="en-CA" sz="1600" dirty="0"/>
               <a:t>, Course Technology PTR, 2004, ISBN-10: 1592000924, ISBN-13: 978-1592000920</a:t>
             </a:r>
           </a:p>
           <a:p>
             <a:r>
-              <a:rPr lang="en-CA" sz="1700" dirty="0" smtClean="0"/>
+              <a:rPr lang="en-CA" sz="1700" dirty="0"/>
               <a:t>Frank Luna, Introduction To 3D Game Programming With </a:t>
             </a:r>
             <a:r>
-              <a:rPr lang="en-CA" sz="1700" dirty="0" err="1" smtClean="0"/>
+              <a:rPr lang="en-CA" sz="1700" dirty="0" err="1"/>
               <a:t>Directx</a:t>
             </a:r>
             <a:r>
-              <a:rPr lang="en-CA" sz="1700" dirty="0" smtClean="0"/>
+              <a:rPr lang="en-CA" sz="1700" dirty="0"/>
               <a:t> 11, Mercury Learning &amp; Information 2012, ISBN-13: 978-1936420223 (if you’re interested in DirectX)</a:t>
             </a:r>
           </a:p>
           <a:p>
-            <a:endParaRPr lang="en-CA" sz="1600" dirty="0" smtClean="0"/>
-          </a:p>
-          <a:p>
-            <a:endParaRPr lang="en-CA" sz="1600" dirty="0" smtClean="0"/>
+            <a:endParaRPr lang="en-CA" sz="1600" dirty="0"/>
+          </a:p>
+          <a:p>
+            <a:endParaRPr lang="en-CA" sz="1600" dirty="0"/>
           </a:p>
         </p:txBody>
       </p:sp>
@@ -21024,10 +20960,9 @@
               <a:defRPr/>
             </a:pPr>
             <a:r>
-              <a:rPr lang="en-CA" dirty="0" smtClean="0"/>
+              <a:rPr lang="en-CA" dirty="0"/>
               <a:t>How this course relates to others</a:t>
             </a:r>
-            <a:endParaRPr lang="en-CA" dirty="0"/>
           </a:p>
         </p:txBody>
       </p:sp>
@@ -21049,27 +20984,27 @@
           <a:lstStyle/>
           <a:p>
             <a:r>
-              <a:rPr lang="en-CA" sz="2800" dirty="0" smtClean="0"/>
+              <a:rPr lang="en-CA" sz="2800" dirty="0"/>
               <a:t>Remember the overall program is “portfolio” or “demo” based</a:t>
             </a:r>
           </a:p>
           <a:p>
             <a:r>
-              <a:rPr lang="en-CA" sz="2800" dirty="0" smtClean="0"/>
+              <a:rPr lang="en-CA" sz="2800" dirty="0"/>
               <a:t>Depending on the project (and the related courses), you may combine projects here with others</a:t>
             </a:r>
           </a:p>
           <a:p>
             <a:pPr lvl="1"/>
             <a:r>
-              <a:rPr lang="en-CA" sz="2400" dirty="0" smtClean="0"/>
+              <a:rPr lang="en-CA" sz="2400" dirty="0"/>
               <a:t>The other course I deliver are the same – you should check with your other instructors to make sure it’s OK</a:t>
             </a:r>
           </a:p>
           <a:p>
             <a:pPr lvl="1"/>
             <a:r>
-              <a:rPr lang="en-CA" sz="2400" dirty="0" smtClean="0"/>
+              <a:rPr lang="en-CA" sz="2400" dirty="0"/>
               <a:t>Check with us (your friendly instructors) first</a:t>
             </a:r>
           </a:p>
@@ -21487,10 +21422,9 @@
               <a:defRPr/>
             </a:pPr>
             <a:r>
-              <a:rPr lang="en-CA" dirty="0" smtClean="0"/>
+              <a:rPr lang="en-CA" dirty="0"/>
               <a:t>How we do it…</a:t>
             </a:r>
-            <a:endParaRPr lang="en-CA" dirty="0"/>
           </a:p>
         </p:txBody>
       </p:sp>
@@ -21512,33 +21446,33 @@
           <a:lstStyle/>
           <a:p>
             <a:r>
-              <a:rPr lang="en-CA" sz="2400" dirty="0" smtClean="0"/>
+              <a:rPr lang="en-CA" sz="2400" dirty="0"/>
               <a:t>Mainly in C and C++ </a:t>
             </a:r>
           </a:p>
           <a:p>
             <a:r>
-              <a:rPr lang="en-CA" sz="2400" dirty="0" smtClean="0"/>
+              <a:rPr lang="en-CA" sz="2400" dirty="0"/>
               <a:t>Using Visual Studio 15/17/19</a:t>
             </a:r>
           </a:p>
           <a:p>
             <a:r>
-              <a:rPr lang="en-CA" sz="2400" dirty="0" smtClean="0"/>
+              <a:rPr lang="en-CA" sz="2400" dirty="0"/>
               <a:t>OpenGL is already on your system (yes, even in Windows)</a:t>
             </a:r>
           </a:p>
           <a:p>
             <a:r>
-              <a:rPr lang="en-CA" sz="2400" dirty="0" smtClean="0"/>
+              <a:rPr lang="en-CA" sz="2400" dirty="0"/>
               <a:t>Load models (from files), then display them with </a:t>
             </a:r>
             <a:r>
-              <a:rPr lang="en-CA" sz="2400" dirty="0" err="1" smtClean="0"/>
+              <a:rPr lang="en-CA" sz="2400" dirty="0" err="1"/>
               <a:t>shader</a:t>
             </a:r>
             <a:r>
-              <a:rPr lang="en-CA" sz="2400" dirty="0" smtClean="0"/>
+              <a:rPr lang="en-CA" sz="2400" dirty="0"/>
               <a:t> based textures and lighting, along with mouse and keyboard user manipulation (moving the models and the “camera” around the scene)</a:t>
             </a:r>
           </a:p>
@@ -21956,10 +21890,9 @@
               <a:defRPr/>
             </a:pPr>
             <a:r>
-              <a:rPr lang="en-CA" dirty="0" smtClean="0"/>
+              <a:rPr lang="en-CA" dirty="0"/>
               <a:t>Projects: 60%</a:t>
             </a:r>
-            <a:endParaRPr lang="en-CA" dirty="0"/>
           </a:p>
         </p:txBody>
       </p:sp>
@@ -21995,7 +21928,7 @@
               <a:defRPr/>
             </a:pPr>
             <a:r>
-              <a:rPr lang="en-CA" sz="2000" dirty="0" smtClean="0"/>
+              <a:rPr lang="en-CA" sz="2000" dirty="0"/>
               <a:t>Project #1: Week 4</a:t>
             </a:r>
           </a:p>
@@ -22004,7 +21937,7 @@
               <a:defRPr/>
             </a:pPr>
             <a:r>
-              <a:rPr lang="en-CA" sz="1800" dirty="0" smtClean="0"/>
+              <a:rPr lang="en-CA" sz="1800" dirty="0"/>
               <a:t>Show basic ability to get things on screen in a static scene (with dynamic camera control)</a:t>
             </a:r>
           </a:p>
@@ -22013,21 +21946,21 @@
               <a:defRPr/>
             </a:pPr>
             <a:r>
-              <a:rPr lang="en-CA" sz="2000" dirty="0" smtClean="0"/>
+              <a:rPr lang="en-CA" sz="2000" dirty="0"/>
               <a:t>Project #2: </a:t>
             </a:r>
             <a:r>
-              <a:rPr lang="en-CA" sz="1800" dirty="0" smtClean="0"/>
+              <a:rPr lang="en-CA" sz="1800" dirty="0"/>
               <a:t>Week 7(approx.)</a:t>
             </a:r>
-            <a:endParaRPr lang="en-CA" sz="2000" dirty="0" smtClean="0"/>
+            <a:endParaRPr lang="en-CA" sz="2000" dirty="0"/>
           </a:p>
           <a:p>
             <a:pPr lvl="1">
               <a:defRPr/>
             </a:pPr>
             <a:r>
-              <a:rPr lang="en-CA" sz="1800" dirty="0" smtClean="0"/>
+              <a:rPr lang="en-CA" sz="1800" dirty="0"/>
               <a:t>Expanding on this, with more complex camera control, some fancier lighting (more lights, more materials, more types of lights)</a:t>
             </a:r>
           </a:p>
@@ -22036,25 +21969,21 @@
               <a:defRPr/>
             </a:pPr>
             <a:r>
-              <a:rPr lang="en-CA" sz="2000" dirty="0" smtClean="0"/>
+              <a:rPr lang="en-CA" sz="2000" dirty="0"/>
               <a:t>Project #3: </a:t>
             </a:r>
             <a:r>
-              <a:rPr lang="en-CA" sz="1800" dirty="0" smtClean="0"/>
-              <a:t>Week </a:t>
-            </a:r>
-            <a:r>
               <a:rPr lang="en-CA" sz="1800" dirty="0"/>
-              <a:t>10(approx.)</a:t>
-            </a:r>
-            <a:endParaRPr lang="en-CA" sz="2000" dirty="0" smtClean="0"/>
+              <a:t>Week 10(approx.)</a:t>
+            </a:r>
+            <a:endParaRPr lang="en-CA" sz="2000" dirty="0"/>
           </a:p>
           <a:p>
             <a:pPr lvl="1">
               <a:defRPr/>
             </a:pPr>
             <a:r>
-              <a:rPr lang="en-CA" sz="1800" dirty="0" smtClean="0"/>
+              <a:rPr lang="en-CA" sz="1800" dirty="0"/>
               <a:t>Addition of textures and particle effects</a:t>
             </a:r>
           </a:p>
@@ -22063,28 +21992,22 @@
               <a:defRPr/>
             </a:pPr>
             <a:r>
-              <a:rPr lang="en-CA" sz="2000" dirty="0" smtClean="0"/>
+              <a:rPr lang="en-CA" sz="2000" dirty="0"/>
               <a:t>Project #4: </a:t>
             </a:r>
             <a:r>
-              <a:rPr lang="en-CA" sz="1800" dirty="0" smtClean="0"/>
-              <a:t>Week </a:t>
-            </a:r>
-            <a:r>
               <a:rPr lang="en-CA" sz="1800" dirty="0"/>
-              <a:t>14(approx.)</a:t>
-            </a:r>
-            <a:endParaRPr lang="en-CA" sz="1800" dirty="0" smtClean="0"/>
+              <a:t>Week 14(approx.)</a:t>
+            </a:r>
           </a:p>
           <a:p>
             <a:pPr lvl="1">
               <a:defRPr/>
             </a:pPr>
             <a:r>
-              <a:rPr lang="en-CA" sz="1800" dirty="0" smtClean="0"/>
+              <a:rPr lang="en-CA" sz="1800" dirty="0"/>
               <a:t>Final demo version of student selected scene</a:t>
             </a:r>
-            <a:endParaRPr lang="en-CA" sz="1800" dirty="0"/>
           </a:p>
         </p:txBody>
       </p:sp>
@@ -22672,10 +22595,9 @@
               <a:defRPr/>
             </a:pPr>
             <a:r>
-              <a:rPr lang="en-CA" dirty="0" smtClean="0"/>
+              <a:rPr lang="en-CA" dirty="0"/>
               <a:t>Tests: 40%</a:t>
             </a:r>
-            <a:endParaRPr lang="en-CA" dirty="0"/>
           </a:p>
         </p:txBody>
       </p:sp>
@@ -22711,7 +22633,7 @@
               <a:defRPr/>
             </a:pPr>
             <a:r>
-              <a:rPr lang="en-CA" sz="2000" dirty="0" smtClean="0"/>
+              <a:rPr lang="en-CA" sz="2000" dirty="0"/>
               <a:t>Mid-term: around week 7/8</a:t>
             </a:r>
           </a:p>
@@ -22720,7 +22642,7 @@
               <a:defRPr/>
             </a:pPr>
             <a:r>
-              <a:rPr lang="en-CA" sz="2000" dirty="0" smtClean="0"/>
+              <a:rPr lang="en-CA" sz="2000" dirty="0"/>
               <a:t>Final: around week 14</a:t>
             </a:r>
             <a:endParaRPr lang="en-CA" sz="1800" dirty="0"/>
@@ -22730,7 +22652,7 @@
               <a:defRPr/>
             </a:pPr>
             <a:r>
-              <a:rPr lang="en-CA" sz="2000" dirty="0" smtClean="0"/>
+              <a:rPr lang="en-CA" sz="2000" dirty="0"/>
               <a:t>Test are:</a:t>
             </a:r>
           </a:p>
@@ -22739,7 +22661,7 @@
               <a:defRPr/>
             </a:pPr>
             <a:r>
-              <a:rPr lang="en-CA" sz="1800" dirty="0" smtClean="0"/>
+              <a:rPr lang="en-CA" sz="1800" dirty="0"/>
               <a:t>Very practical. Show, not explain, though there will have to be some explaining, too. </a:t>
             </a:r>
           </a:p>
@@ -22748,7 +22670,7 @@
               <a:defRPr/>
             </a:pPr>
             <a:r>
-              <a:rPr lang="en-CA" sz="1800" dirty="0" smtClean="0"/>
+              <a:rPr lang="en-CA" sz="1800" dirty="0"/>
               <a:t>Done on your notebook</a:t>
             </a:r>
           </a:p>
@@ -22757,7 +22679,7 @@
               <a:defRPr/>
             </a:pPr>
             <a:r>
-              <a:rPr lang="en-CA" sz="1800" dirty="0" smtClean="0"/>
+              <a:rPr lang="en-CA" sz="1800" dirty="0"/>
               <a:t>Mostly demonstration (i.e. coding)</a:t>
             </a:r>
           </a:p>
@@ -22766,7 +22688,7 @@
               <a:defRPr/>
             </a:pPr>
             <a:r>
-              <a:rPr lang="en-CA" sz="1800" dirty="0" smtClean="0"/>
+              <a:rPr lang="en-CA" sz="1800" dirty="0"/>
               <a:t>You will be pressed for time</a:t>
             </a:r>
           </a:p>
@@ -22775,16 +22697,8 @@
               <a:defRPr/>
             </a:pPr>
             <a:r>
-              <a:rPr lang="en-CA" sz="1800" dirty="0" smtClean="0"/>
-              <a:t>Open “computer” – anything on the computer, internet, books, tattoos, crystal balls</a:t>
-            </a:r>
-            <a:r>
-              <a:rPr lang="en-CA" sz="1800" dirty="0" smtClean="0"/>
-              <a:t>, voices in your hear, your pets, </a:t>
-            </a:r>
-            <a:r>
-              <a:rPr lang="en-CA" sz="1800" dirty="0" smtClean="0"/>
-              <a:t>etc. is available</a:t>
+              <a:rPr lang="en-CA" sz="1800" dirty="0"/>
+              <a:t>Open “computer” – anything on the computer, internet, books, tattoos, crystal balls, voices in your hear, your pets, etc. is available</a:t>
             </a:r>
           </a:p>
         </p:txBody>
